--- a/01.session-slides.pptx
+++ b/01.session-slides.pptx
@@ -6,15 +6,17 @@
   </p:sldMasterIdLst>
   <p:sldIdLst>
     <p:sldId id="265" r:id="rId2"/>
-    <p:sldId id="256" r:id="rId3"/>
-    <p:sldId id="257" r:id="rId4"/>
-    <p:sldId id="266" r:id="rId5"/>
-    <p:sldId id="267" r:id="rId6"/>
-    <p:sldId id="269" r:id="rId7"/>
-    <p:sldId id="270" r:id="rId8"/>
-    <p:sldId id="271" r:id="rId9"/>
-    <p:sldId id="272" r:id="rId10"/>
-    <p:sldId id="274" r:id="rId11"/>
+    <p:sldId id="275" r:id="rId3"/>
+    <p:sldId id="256" r:id="rId4"/>
+    <p:sldId id="257" r:id="rId5"/>
+    <p:sldId id="266" r:id="rId6"/>
+    <p:sldId id="267" r:id="rId7"/>
+    <p:sldId id="269" r:id="rId8"/>
+    <p:sldId id="270" r:id="rId9"/>
+    <p:sldId id="271" r:id="rId10"/>
+    <p:sldId id="272" r:id="rId11"/>
+    <p:sldId id="274" r:id="rId12"/>
+    <p:sldId id="276" r:id="rId13"/>
   </p:sldIdLst>
   <p:sldSz cx="12192000" cy="6858000"/>
   <p:notesSz cx="6858000" cy="9144000"/>
@@ -270,7 +272,7 @@
           <a:p>
             <a:fld id="{A6FE4721-425E-4A60-B31B-21D0CDB5C4E8}" type="datetimeFigureOut">
               <a:rPr lang="en-IN" smtClean="0"/>
-              <a:t>02-10-2019</a:t>
+              <a:t>04-10-2019</a:t>
             </a:fld>
             <a:endParaRPr lang="en-IN"/>
           </a:p>
@@ -470,7 +472,7 @@
           <a:p>
             <a:fld id="{A6FE4721-425E-4A60-B31B-21D0CDB5C4E8}" type="datetimeFigureOut">
               <a:rPr lang="en-IN" smtClean="0"/>
-              <a:t>02-10-2019</a:t>
+              <a:t>04-10-2019</a:t>
             </a:fld>
             <a:endParaRPr lang="en-IN"/>
           </a:p>
@@ -680,7 +682,7 @@
           <a:p>
             <a:fld id="{A6FE4721-425E-4A60-B31B-21D0CDB5C4E8}" type="datetimeFigureOut">
               <a:rPr lang="en-IN" smtClean="0"/>
-              <a:t>02-10-2019</a:t>
+              <a:t>04-10-2019</a:t>
             </a:fld>
             <a:endParaRPr lang="en-IN"/>
           </a:p>
@@ -880,7 +882,7 @@
           <a:p>
             <a:fld id="{A6FE4721-425E-4A60-B31B-21D0CDB5C4E8}" type="datetimeFigureOut">
               <a:rPr lang="en-IN" smtClean="0"/>
-              <a:t>02-10-2019</a:t>
+              <a:t>04-10-2019</a:t>
             </a:fld>
             <a:endParaRPr lang="en-IN"/>
           </a:p>
@@ -1156,7 +1158,7 @@
           <a:p>
             <a:fld id="{A6FE4721-425E-4A60-B31B-21D0CDB5C4E8}" type="datetimeFigureOut">
               <a:rPr lang="en-IN" smtClean="0"/>
-              <a:t>02-10-2019</a:t>
+              <a:t>04-10-2019</a:t>
             </a:fld>
             <a:endParaRPr lang="en-IN"/>
           </a:p>
@@ -1424,7 +1426,7 @@
           <a:p>
             <a:fld id="{A6FE4721-425E-4A60-B31B-21D0CDB5C4E8}" type="datetimeFigureOut">
               <a:rPr lang="en-IN" smtClean="0"/>
-              <a:t>02-10-2019</a:t>
+              <a:t>04-10-2019</a:t>
             </a:fld>
             <a:endParaRPr lang="en-IN"/>
           </a:p>
@@ -1839,7 +1841,7 @@
           <a:p>
             <a:fld id="{A6FE4721-425E-4A60-B31B-21D0CDB5C4E8}" type="datetimeFigureOut">
               <a:rPr lang="en-IN" smtClean="0"/>
-              <a:t>02-10-2019</a:t>
+              <a:t>04-10-2019</a:t>
             </a:fld>
             <a:endParaRPr lang="en-IN"/>
           </a:p>
@@ -1981,7 +1983,7 @@
           <a:p>
             <a:fld id="{A6FE4721-425E-4A60-B31B-21D0CDB5C4E8}" type="datetimeFigureOut">
               <a:rPr lang="en-IN" smtClean="0"/>
-              <a:t>02-10-2019</a:t>
+              <a:t>04-10-2019</a:t>
             </a:fld>
             <a:endParaRPr lang="en-IN"/>
           </a:p>
@@ -2094,7 +2096,7 @@
           <a:p>
             <a:fld id="{A6FE4721-425E-4A60-B31B-21D0CDB5C4E8}" type="datetimeFigureOut">
               <a:rPr lang="en-IN" smtClean="0"/>
-              <a:t>02-10-2019</a:t>
+              <a:t>04-10-2019</a:t>
             </a:fld>
             <a:endParaRPr lang="en-IN"/>
           </a:p>
@@ -2407,7 +2409,7 @@
           <a:p>
             <a:fld id="{A6FE4721-425E-4A60-B31B-21D0CDB5C4E8}" type="datetimeFigureOut">
               <a:rPr lang="en-IN" smtClean="0"/>
-              <a:t>02-10-2019</a:t>
+              <a:t>04-10-2019</a:t>
             </a:fld>
             <a:endParaRPr lang="en-IN"/>
           </a:p>
@@ -2696,7 +2698,7 @@
           <a:p>
             <a:fld id="{A6FE4721-425E-4A60-B31B-21D0CDB5C4E8}" type="datetimeFigureOut">
               <a:rPr lang="en-IN" smtClean="0"/>
-              <a:t>02-10-2019</a:t>
+              <a:t>04-10-2019</a:t>
             </a:fld>
             <a:endParaRPr lang="en-IN"/>
           </a:p>
@@ -2939,7 +2941,7 @@
           <a:p>
             <a:fld id="{A6FE4721-425E-4A60-B31B-21D0CDB5C4E8}" type="datetimeFigureOut">
               <a:rPr lang="en-IN" smtClean="0"/>
-              <a:t>02-10-2019</a:t>
+              <a:t>04-10-2019</a:t>
             </a:fld>
             <a:endParaRPr lang="en-IN"/>
           </a:p>
@@ -5204,10 +5206,10 @@
       </p:sp>
       <p:sp>
         <p:nvSpPr>
-          <p:cNvPr id="41" name="TextBox 40">
-            <a:extLst>
-              <a:ext uri="{FF2B5EF4-FFF2-40B4-BE49-F238E27FC236}">
-                <a16:creationId xmlns:a16="http://schemas.microsoft.com/office/drawing/2014/main" id="{E667F9D8-D2B5-4E8F-82A6-CB341A9A9BFF}"/>
+          <p:cNvPr id="42" name="TextBox 41">
+            <a:extLst>
+              <a:ext uri="{FF2B5EF4-FFF2-40B4-BE49-F238E27FC236}">
+                <a16:creationId xmlns:a16="http://schemas.microsoft.com/office/drawing/2014/main" id="{043E1307-0BAC-44C8-9189-171C24E5412D}"/>
               </a:ext>
             </a:extLst>
           </p:cNvPr>
@@ -5216,7 +5218,7 @@
         </p:nvSpPr>
         <p:spPr>
           <a:xfrm>
-            <a:off x="363600" y="5658249"/>
+            <a:off x="370228" y="6287728"/>
             <a:ext cx="4579455" cy="369332"/>
           </a:xfrm>
           <a:prstGeom prst="rect">
@@ -5238,7 +5240,7 @@
                 <a:latin typeface="Segoe UI" panose="020B0502040204020203" pitchFamily="34" charset="0"/>
                 <a:cs typeface="Segoe UI" panose="020B0502040204020203" pitchFamily="34" charset="0"/>
               </a:rPr>
-              <a:t>Building First Dashboard</a:t>
+              <a:t>Publishing Dashboard</a:t>
             </a:r>
             <a:endParaRPr lang="en-IN" dirty="0">
               <a:solidFill>
@@ -5255,7 +5257,7 @@
           <p:cNvPr id="24" name="Arrow: Right 23">
             <a:extLst>
               <a:ext uri="{FF2B5EF4-FFF2-40B4-BE49-F238E27FC236}">
-                <a16:creationId xmlns:a16="http://schemas.microsoft.com/office/drawing/2014/main" id="{B453B3DA-CAA6-4489-B9CA-749EB70A4DF1}"/>
+                <a16:creationId xmlns:a16="http://schemas.microsoft.com/office/drawing/2014/main" id="{B7ECA9F2-3EB9-472C-A156-D8791626C042}"/>
               </a:ext>
             </a:extLst>
           </p:cNvPr>
@@ -5264,8 +5266,8 @@
         </p:nvSpPr>
         <p:spPr>
           <a:xfrm>
-            <a:off x="1318594" y="6027581"/>
-            <a:ext cx="4359964" cy="1035862"/>
+            <a:off x="1358350" y="5284446"/>
+            <a:ext cx="4359964" cy="1116392"/>
           </a:xfrm>
           <a:prstGeom prst="rightArrow">
             <a:avLst/>
@@ -5306,7 +5308,7 @@
                 <a:latin typeface="Segoe UI" panose="020B0502040204020203" pitchFamily="34" charset="0"/>
                 <a:cs typeface="Segoe UI" panose="020B0502040204020203" pitchFamily="34" charset="0"/>
               </a:rPr>
-              <a:t>Publishing Dashboard</a:t>
+              <a:t>Building First Dashboard</a:t>
             </a:r>
             <a:endParaRPr lang="en-IN" dirty="0">
               <a:solidFill>
@@ -5321,7 +5323,1999 @@
     </p:spTree>
     <p:extLst>
       <p:ext uri="{BB962C8B-B14F-4D97-AF65-F5344CB8AC3E}">
+        <p14:creationId xmlns:p14="http://schemas.microsoft.com/office/powerpoint/2010/main" val="230729821"/>
+      </p:ext>
+    </p:extLst>
+  </p:cSld>
+  <p:clrMapOvr>
+    <a:masterClrMapping/>
+  </p:clrMapOvr>
+</p:sld>
+</file>
+
+<file path=ppt/slides/slide11.xml><?xml version="1.0" encoding="utf-8"?>
+<p:sld xmlns:a="http://schemas.openxmlformats.org/drawingml/2006/main" xmlns:r="http://schemas.openxmlformats.org/officeDocument/2006/relationships" xmlns:p="http://schemas.openxmlformats.org/presentationml/2006/main">
+  <p:cSld>
+    <p:spTree>
+      <p:nvGrpSpPr>
+        <p:cNvPr id="1" name=""/>
+        <p:cNvGrpSpPr/>
+        <p:nvPr/>
+      </p:nvGrpSpPr>
+      <p:grpSpPr>
+        <a:xfrm>
+          <a:off x="0" y="0"/>
+          <a:ext cx="0" cy="0"/>
+          <a:chOff x="0" y="0"/>
+          <a:chExt cx="0" cy="0"/>
+        </a:xfrm>
+      </p:grpSpPr>
+      <p:sp>
+        <p:nvSpPr>
+          <p:cNvPr id="4" name="Rectangle 3">
+            <a:extLst>
+              <a:ext uri="{FF2B5EF4-FFF2-40B4-BE49-F238E27FC236}">
+                <a16:creationId xmlns:a16="http://schemas.microsoft.com/office/drawing/2014/main" id="{1205B21C-D428-4470-83F2-13414BD0B8D7}"/>
+              </a:ext>
+            </a:extLst>
+          </p:cNvPr>
+          <p:cNvSpPr/>
+          <p:nvPr/>
+        </p:nvSpPr>
+        <p:spPr>
+          <a:xfrm>
+            <a:off x="0" y="0"/>
+            <a:ext cx="5168348" cy="6858000"/>
+          </a:xfrm>
+          <a:prstGeom prst="rect">
+            <a:avLst/>
+          </a:prstGeom>
+          <a:solidFill>
+            <a:srgbClr val="F2C811"/>
+          </a:solidFill>
+          <a:ln>
+            <a:noFill/>
+          </a:ln>
+        </p:spPr>
+        <p:style>
+          <a:lnRef idx="2">
+            <a:schemeClr val="accent1">
+              <a:shade val="50000"/>
+            </a:schemeClr>
+          </a:lnRef>
+          <a:fillRef idx="1">
+            <a:schemeClr val="accent1"/>
+          </a:fillRef>
+          <a:effectRef idx="0">
+            <a:schemeClr val="accent1"/>
+          </a:effectRef>
+          <a:fontRef idx="minor">
+            <a:schemeClr val="lt1"/>
+          </a:fontRef>
+        </p:style>
+        <p:txBody>
+          <a:bodyPr rtlCol="0" anchor="ctr"/>
+          <a:lstStyle/>
+          <a:p>
+            <a:pPr algn="ctr"/>
+            <a:endParaRPr lang="en-IN"/>
+          </a:p>
+        </p:txBody>
+      </p:sp>
+      <p:pic>
+        <p:nvPicPr>
+          <p:cNvPr id="6" name="Picture 5">
+            <a:extLst>
+              <a:ext uri="{FF2B5EF4-FFF2-40B4-BE49-F238E27FC236}">
+                <a16:creationId xmlns:a16="http://schemas.microsoft.com/office/drawing/2014/main" id="{1D4483AD-BCFC-47EE-AA76-31EEB3C4CBA5}"/>
+              </a:ext>
+            </a:extLst>
+          </p:cNvPr>
+          <p:cNvPicPr>
+            <a:picLocks noChangeAspect="1"/>
+          </p:cNvPicPr>
+          <p:nvPr/>
+        </p:nvPicPr>
+        <p:blipFill>
+          <a:blip r:embed="rId2">
+            <a:extLst>
+              <a:ext uri="{28A0092B-C50C-407E-A947-70E740481C1C}">
+                <a14:useLocalDpi xmlns:a14="http://schemas.microsoft.com/office/drawing/2010/main" val="0"/>
+              </a:ext>
+            </a:extLst>
+          </a:blip>
+          <a:stretch>
+            <a:fillRect/>
+          </a:stretch>
+        </p:blipFill>
+        <p:spPr>
+          <a:xfrm>
+            <a:off x="144946" y="113472"/>
+            <a:ext cx="795958" cy="795958"/>
+          </a:xfrm>
+          <a:prstGeom prst="rect">
+            <a:avLst/>
+          </a:prstGeom>
+        </p:spPr>
+      </p:pic>
+      <p:sp>
+        <p:nvSpPr>
+          <p:cNvPr id="11" name="TextBox 10">
+            <a:extLst>
+              <a:ext uri="{FF2B5EF4-FFF2-40B4-BE49-F238E27FC236}">
+                <a16:creationId xmlns:a16="http://schemas.microsoft.com/office/drawing/2014/main" id="{E00F6200-F731-4832-A8F1-E5934CEF9604}"/>
+              </a:ext>
+            </a:extLst>
+          </p:cNvPr>
+          <p:cNvSpPr txBox="1"/>
+          <p:nvPr/>
+        </p:nvSpPr>
+        <p:spPr>
+          <a:xfrm>
+            <a:off x="702366" y="232740"/>
+            <a:ext cx="4359964" cy="646331"/>
+          </a:xfrm>
+          <a:prstGeom prst="rect">
+            <a:avLst/>
+          </a:prstGeom>
+          <a:noFill/>
+        </p:spPr>
+        <p:txBody>
+          <a:bodyPr wrap="square" rtlCol="0">
+            <a:spAutoFit/>
+          </a:bodyPr>
+          <a:lstStyle/>
+          <a:p>
+            <a:pPr algn="ctr"/>
+            <a:r>
+              <a:rPr lang="en-US" sz="3600" dirty="0">
+                <a:latin typeface="Segoe UI" panose="020B0502040204020203" pitchFamily="34" charset="0"/>
+                <a:cs typeface="Segoe UI" panose="020B0502040204020203" pitchFamily="34" charset="0"/>
+              </a:rPr>
+              <a:t>Power BI Basics</a:t>
+            </a:r>
+            <a:endParaRPr lang="en-IN" sz="3600" dirty="0">
+              <a:latin typeface="Segoe UI" panose="020B0502040204020203" pitchFamily="34" charset="0"/>
+              <a:cs typeface="Segoe UI" panose="020B0502040204020203" pitchFamily="34" charset="0"/>
+            </a:endParaRPr>
+          </a:p>
+        </p:txBody>
+      </p:sp>
+      <p:cxnSp>
+        <p:nvCxnSpPr>
+          <p:cNvPr id="23" name="Straight Connector 22">
+            <a:extLst>
+              <a:ext uri="{FF2B5EF4-FFF2-40B4-BE49-F238E27FC236}">
+                <a16:creationId xmlns:a16="http://schemas.microsoft.com/office/drawing/2014/main" id="{87046D73-9373-4531-8F5A-62CAFA3C6F06}"/>
+              </a:ext>
+            </a:extLst>
+          </p:cNvPr>
+          <p:cNvCxnSpPr>
+            <a:cxnSpLocks/>
+          </p:cNvCxnSpPr>
+          <p:nvPr/>
+        </p:nvCxnSpPr>
+        <p:spPr>
+          <a:xfrm>
+            <a:off x="363604" y="1126433"/>
+            <a:ext cx="4579455" cy="0"/>
+          </a:xfrm>
+          <a:prstGeom prst="line">
+            <a:avLst/>
+          </a:prstGeom>
+          <a:ln>
+            <a:solidFill>
+              <a:srgbClr val="CFAA0B"/>
+            </a:solidFill>
+          </a:ln>
+        </p:spPr>
+        <p:style>
+          <a:lnRef idx="1">
+            <a:schemeClr val="accent2"/>
+          </a:lnRef>
+          <a:fillRef idx="0">
+            <a:schemeClr val="accent2"/>
+          </a:fillRef>
+          <a:effectRef idx="0">
+            <a:schemeClr val="accent2"/>
+          </a:effectRef>
+          <a:fontRef idx="minor">
+            <a:schemeClr val="tx1"/>
+          </a:fontRef>
+        </p:style>
+      </p:cxnSp>
+      <p:cxnSp>
+        <p:nvCxnSpPr>
+          <p:cNvPr id="26" name="Straight Connector 25">
+            <a:extLst>
+              <a:ext uri="{FF2B5EF4-FFF2-40B4-BE49-F238E27FC236}">
+                <a16:creationId xmlns:a16="http://schemas.microsoft.com/office/drawing/2014/main" id="{83537F96-AB97-4338-A7A4-862F42510DBF}"/>
+              </a:ext>
+            </a:extLst>
+          </p:cNvPr>
+          <p:cNvCxnSpPr>
+            <a:cxnSpLocks/>
+          </p:cNvCxnSpPr>
+          <p:nvPr/>
+        </p:nvCxnSpPr>
+        <p:spPr>
+          <a:xfrm>
+            <a:off x="363604" y="1755912"/>
+            <a:ext cx="4579455" cy="0"/>
+          </a:xfrm>
+          <a:prstGeom prst="line">
+            <a:avLst/>
+          </a:prstGeom>
+          <a:ln>
+            <a:solidFill>
+              <a:srgbClr val="CFAA0B"/>
+            </a:solidFill>
+          </a:ln>
+        </p:spPr>
+        <p:style>
+          <a:lnRef idx="1">
+            <a:schemeClr val="accent2"/>
+          </a:lnRef>
+          <a:fillRef idx="0">
+            <a:schemeClr val="accent2"/>
+          </a:fillRef>
+          <a:effectRef idx="0">
+            <a:schemeClr val="accent2"/>
+          </a:effectRef>
+          <a:fontRef idx="minor">
+            <a:schemeClr val="tx1"/>
+          </a:fontRef>
+        </p:style>
+      </p:cxnSp>
+      <p:cxnSp>
+        <p:nvCxnSpPr>
+          <p:cNvPr id="27" name="Straight Connector 26">
+            <a:extLst>
+              <a:ext uri="{FF2B5EF4-FFF2-40B4-BE49-F238E27FC236}">
+                <a16:creationId xmlns:a16="http://schemas.microsoft.com/office/drawing/2014/main" id="{55D1FE7D-3990-4E7B-A552-4A1615D6002F}"/>
+              </a:ext>
+            </a:extLst>
+          </p:cNvPr>
+          <p:cNvCxnSpPr>
+            <a:cxnSpLocks/>
+          </p:cNvCxnSpPr>
+          <p:nvPr/>
+        </p:nvCxnSpPr>
+        <p:spPr>
+          <a:xfrm>
+            <a:off x="363604" y="3014870"/>
+            <a:ext cx="4579455" cy="0"/>
+          </a:xfrm>
+          <a:prstGeom prst="line">
+            <a:avLst/>
+          </a:prstGeom>
+          <a:ln>
+            <a:solidFill>
+              <a:srgbClr val="CFAA0B"/>
+            </a:solidFill>
+          </a:ln>
+        </p:spPr>
+        <p:style>
+          <a:lnRef idx="1">
+            <a:schemeClr val="accent2"/>
+          </a:lnRef>
+          <a:fillRef idx="0">
+            <a:schemeClr val="accent2"/>
+          </a:fillRef>
+          <a:effectRef idx="0">
+            <a:schemeClr val="accent2"/>
+          </a:effectRef>
+          <a:fontRef idx="minor">
+            <a:schemeClr val="tx1"/>
+          </a:fontRef>
+        </p:style>
+      </p:cxnSp>
+      <p:cxnSp>
+        <p:nvCxnSpPr>
+          <p:cNvPr id="28" name="Straight Connector 27">
+            <a:extLst>
+              <a:ext uri="{FF2B5EF4-FFF2-40B4-BE49-F238E27FC236}">
+                <a16:creationId xmlns:a16="http://schemas.microsoft.com/office/drawing/2014/main" id="{F0DE1491-A554-46C6-909E-5D0DC28A19D7}"/>
+              </a:ext>
+            </a:extLst>
+          </p:cNvPr>
+          <p:cNvCxnSpPr>
+            <a:cxnSpLocks/>
+          </p:cNvCxnSpPr>
+          <p:nvPr/>
+        </p:nvCxnSpPr>
+        <p:spPr>
+          <a:xfrm>
+            <a:off x="363604" y="2385391"/>
+            <a:ext cx="4579455" cy="0"/>
+          </a:xfrm>
+          <a:prstGeom prst="line">
+            <a:avLst/>
+          </a:prstGeom>
+          <a:ln>
+            <a:solidFill>
+              <a:srgbClr val="CFAA0B"/>
+            </a:solidFill>
+          </a:ln>
+        </p:spPr>
+        <p:style>
+          <a:lnRef idx="1">
+            <a:schemeClr val="accent2"/>
+          </a:lnRef>
+          <a:fillRef idx="0">
+            <a:schemeClr val="accent2"/>
+          </a:fillRef>
+          <a:effectRef idx="0">
+            <a:schemeClr val="accent2"/>
+          </a:effectRef>
+          <a:fontRef idx="minor">
+            <a:schemeClr val="tx1"/>
+          </a:fontRef>
+        </p:style>
+      </p:cxnSp>
+      <p:cxnSp>
+        <p:nvCxnSpPr>
+          <p:cNvPr id="29" name="Straight Connector 28">
+            <a:extLst>
+              <a:ext uri="{FF2B5EF4-FFF2-40B4-BE49-F238E27FC236}">
+                <a16:creationId xmlns:a16="http://schemas.microsoft.com/office/drawing/2014/main" id="{7EF590CB-6513-4ACF-95EE-22FA3AC2F9A6}"/>
+              </a:ext>
+            </a:extLst>
+          </p:cNvPr>
+          <p:cNvCxnSpPr>
+            <a:cxnSpLocks/>
+          </p:cNvCxnSpPr>
+          <p:nvPr/>
+        </p:nvCxnSpPr>
+        <p:spPr>
+          <a:xfrm>
+            <a:off x="363604" y="4273828"/>
+            <a:ext cx="4579455" cy="0"/>
+          </a:xfrm>
+          <a:prstGeom prst="line">
+            <a:avLst/>
+          </a:prstGeom>
+          <a:ln>
+            <a:solidFill>
+              <a:srgbClr val="CFAA0B"/>
+            </a:solidFill>
+          </a:ln>
+        </p:spPr>
+        <p:style>
+          <a:lnRef idx="1">
+            <a:schemeClr val="accent2"/>
+          </a:lnRef>
+          <a:fillRef idx="0">
+            <a:schemeClr val="accent2"/>
+          </a:fillRef>
+          <a:effectRef idx="0">
+            <a:schemeClr val="accent2"/>
+          </a:effectRef>
+          <a:fontRef idx="minor">
+            <a:schemeClr val="tx1"/>
+          </a:fontRef>
+        </p:style>
+      </p:cxnSp>
+      <p:cxnSp>
+        <p:nvCxnSpPr>
+          <p:cNvPr id="30" name="Straight Connector 29">
+            <a:extLst>
+              <a:ext uri="{FF2B5EF4-FFF2-40B4-BE49-F238E27FC236}">
+                <a16:creationId xmlns:a16="http://schemas.microsoft.com/office/drawing/2014/main" id="{2197002C-80C6-4219-930E-BA7C1FE50004}"/>
+              </a:ext>
+            </a:extLst>
+          </p:cNvPr>
+          <p:cNvCxnSpPr>
+            <a:cxnSpLocks/>
+          </p:cNvCxnSpPr>
+          <p:nvPr/>
+        </p:nvCxnSpPr>
+        <p:spPr>
+          <a:xfrm>
+            <a:off x="363604" y="3644349"/>
+            <a:ext cx="4579455" cy="0"/>
+          </a:xfrm>
+          <a:prstGeom prst="line">
+            <a:avLst/>
+          </a:prstGeom>
+          <a:ln>
+            <a:solidFill>
+              <a:srgbClr val="CFAA0B"/>
+            </a:solidFill>
+          </a:ln>
+        </p:spPr>
+        <p:style>
+          <a:lnRef idx="1">
+            <a:schemeClr val="accent2"/>
+          </a:lnRef>
+          <a:fillRef idx="0">
+            <a:schemeClr val="accent2"/>
+          </a:fillRef>
+          <a:effectRef idx="0">
+            <a:schemeClr val="accent2"/>
+          </a:effectRef>
+          <a:fontRef idx="minor">
+            <a:schemeClr val="tx1"/>
+          </a:fontRef>
+        </p:style>
+      </p:cxnSp>
+      <p:cxnSp>
+        <p:nvCxnSpPr>
+          <p:cNvPr id="31" name="Straight Connector 30">
+            <a:extLst>
+              <a:ext uri="{FF2B5EF4-FFF2-40B4-BE49-F238E27FC236}">
+                <a16:creationId xmlns:a16="http://schemas.microsoft.com/office/drawing/2014/main" id="{D0E51131-DC48-4E8B-BBFA-F4F28AE57E41}"/>
+              </a:ext>
+            </a:extLst>
+          </p:cNvPr>
+          <p:cNvCxnSpPr>
+            <a:cxnSpLocks/>
+          </p:cNvCxnSpPr>
+          <p:nvPr/>
+        </p:nvCxnSpPr>
+        <p:spPr>
+          <a:xfrm>
+            <a:off x="363604" y="4903307"/>
+            <a:ext cx="4579455" cy="0"/>
+          </a:xfrm>
+          <a:prstGeom prst="line">
+            <a:avLst/>
+          </a:prstGeom>
+          <a:ln>
+            <a:solidFill>
+              <a:srgbClr val="CFAA0B"/>
+            </a:solidFill>
+          </a:ln>
+        </p:spPr>
+        <p:style>
+          <a:lnRef idx="1">
+            <a:schemeClr val="accent2"/>
+          </a:lnRef>
+          <a:fillRef idx="0">
+            <a:schemeClr val="accent2"/>
+          </a:fillRef>
+          <a:effectRef idx="0">
+            <a:schemeClr val="accent2"/>
+          </a:effectRef>
+          <a:fontRef idx="minor">
+            <a:schemeClr val="tx1"/>
+          </a:fontRef>
+        </p:style>
+      </p:cxnSp>
+      <p:cxnSp>
+        <p:nvCxnSpPr>
+          <p:cNvPr id="32" name="Straight Connector 31">
+            <a:extLst>
+              <a:ext uri="{FF2B5EF4-FFF2-40B4-BE49-F238E27FC236}">
+                <a16:creationId xmlns:a16="http://schemas.microsoft.com/office/drawing/2014/main" id="{F6E373C9-C861-47EF-879B-B100097D06D1}"/>
+              </a:ext>
+            </a:extLst>
+          </p:cNvPr>
+          <p:cNvCxnSpPr>
+            <a:cxnSpLocks/>
+          </p:cNvCxnSpPr>
+          <p:nvPr/>
+        </p:nvCxnSpPr>
+        <p:spPr>
+          <a:xfrm>
+            <a:off x="363604" y="5532786"/>
+            <a:ext cx="4579455" cy="0"/>
+          </a:xfrm>
+          <a:prstGeom prst="line">
+            <a:avLst/>
+          </a:prstGeom>
+          <a:ln>
+            <a:solidFill>
+              <a:srgbClr val="CFAA0B"/>
+            </a:solidFill>
+          </a:ln>
+        </p:spPr>
+        <p:style>
+          <a:lnRef idx="1">
+            <a:schemeClr val="accent2"/>
+          </a:lnRef>
+          <a:fillRef idx="0">
+            <a:schemeClr val="accent2"/>
+          </a:fillRef>
+          <a:effectRef idx="0">
+            <a:schemeClr val="accent2"/>
+          </a:effectRef>
+          <a:fontRef idx="minor">
+            <a:schemeClr val="tx1"/>
+          </a:fontRef>
+        </p:style>
+      </p:cxnSp>
+      <p:cxnSp>
+        <p:nvCxnSpPr>
+          <p:cNvPr id="33" name="Straight Connector 32">
+            <a:extLst>
+              <a:ext uri="{FF2B5EF4-FFF2-40B4-BE49-F238E27FC236}">
+                <a16:creationId xmlns:a16="http://schemas.microsoft.com/office/drawing/2014/main" id="{C6183B74-DA75-45D5-ADB6-64BE5D0CCDCF}"/>
+              </a:ext>
+            </a:extLst>
+          </p:cNvPr>
+          <p:cNvCxnSpPr>
+            <a:cxnSpLocks/>
+          </p:cNvCxnSpPr>
+          <p:nvPr/>
+        </p:nvCxnSpPr>
+        <p:spPr>
+          <a:xfrm>
+            <a:off x="363604" y="6162262"/>
+            <a:ext cx="4579455" cy="0"/>
+          </a:xfrm>
+          <a:prstGeom prst="line">
+            <a:avLst/>
+          </a:prstGeom>
+          <a:ln>
+            <a:solidFill>
+              <a:srgbClr val="CFAA0B"/>
+            </a:solidFill>
+          </a:ln>
+        </p:spPr>
+        <p:style>
+          <a:lnRef idx="1">
+            <a:schemeClr val="accent2"/>
+          </a:lnRef>
+          <a:fillRef idx="0">
+            <a:schemeClr val="accent2"/>
+          </a:fillRef>
+          <a:effectRef idx="0">
+            <a:schemeClr val="accent2"/>
+          </a:effectRef>
+          <a:fontRef idx="minor">
+            <a:schemeClr val="tx1"/>
+          </a:fontRef>
+        </p:style>
+      </p:cxnSp>
+      <p:sp>
+        <p:nvSpPr>
+          <p:cNvPr id="34" name="TextBox 33">
+            <a:extLst>
+              <a:ext uri="{FF2B5EF4-FFF2-40B4-BE49-F238E27FC236}">
+                <a16:creationId xmlns:a16="http://schemas.microsoft.com/office/drawing/2014/main" id="{8E14D00D-2B41-46D4-B0ED-C7DEC7AD9B80}"/>
+              </a:ext>
+            </a:extLst>
+          </p:cNvPr>
+          <p:cNvSpPr txBox="1"/>
+          <p:nvPr/>
+        </p:nvSpPr>
+        <p:spPr>
+          <a:xfrm>
+            <a:off x="363604" y="1258953"/>
+            <a:ext cx="4579455" cy="369332"/>
+          </a:xfrm>
+          <a:prstGeom prst="rect">
+            <a:avLst/>
+          </a:prstGeom>
+          <a:noFill/>
+        </p:spPr>
+        <p:txBody>
+          <a:bodyPr wrap="square" rtlCol="0">
+            <a:spAutoFit/>
+          </a:bodyPr>
+          <a:lstStyle/>
+          <a:p>
+            <a:r>
+              <a:rPr lang="en-US" dirty="0">
+                <a:solidFill>
+                  <a:srgbClr val="B6950A"/>
+                </a:solidFill>
+                <a:latin typeface="Segoe UI" panose="020B0502040204020203" pitchFamily="34" charset="0"/>
+                <a:cs typeface="Segoe UI" panose="020B0502040204020203" pitchFamily="34" charset="0"/>
+              </a:rPr>
+              <a:t>What &amp; Why of Data Visualization?</a:t>
+            </a:r>
+            <a:endParaRPr lang="en-IN" dirty="0">
+              <a:solidFill>
+                <a:srgbClr val="B6950A"/>
+              </a:solidFill>
+              <a:latin typeface="Segoe UI" panose="020B0502040204020203" pitchFamily="34" charset="0"/>
+              <a:cs typeface="Segoe UI" panose="020B0502040204020203" pitchFamily="34" charset="0"/>
+            </a:endParaRPr>
+          </a:p>
+        </p:txBody>
+      </p:sp>
+      <p:sp>
+        <p:nvSpPr>
+          <p:cNvPr id="35" name="TextBox 34">
+            <a:extLst>
+              <a:ext uri="{FF2B5EF4-FFF2-40B4-BE49-F238E27FC236}">
+                <a16:creationId xmlns:a16="http://schemas.microsoft.com/office/drawing/2014/main" id="{F7EBC9CE-E468-41CA-8555-7B4D481A1382}"/>
+              </a:ext>
+            </a:extLst>
+          </p:cNvPr>
+          <p:cNvSpPr txBox="1"/>
+          <p:nvPr/>
+        </p:nvSpPr>
+        <p:spPr>
+          <a:xfrm>
+            <a:off x="363604" y="1887424"/>
+            <a:ext cx="4579455" cy="369332"/>
+          </a:xfrm>
+          <a:prstGeom prst="rect">
+            <a:avLst/>
+          </a:prstGeom>
+          <a:noFill/>
+        </p:spPr>
+        <p:txBody>
+          <a:bodyPr wrap="square" rtlCol="0">
+            <a:spAutoFit/>
+          </a:bodyPr>
+          <a:lstStyle/>
+          <a:p>
+            <a:r>
+              <a:rPr lang="en-US" dirty="0">
+                <a:solidFill>
+                  <a:srgbClr val="B6950A"/>
+                </a:solidFill>
+                <a:latin typeface="Segoe UI" panose="020B0502040204020203" pitchFamily="34" charset="0"/>
+                <a:cs typeface="Segoe UI" panose="020B0502040204020203" pitchFamily="34" charset="0"/>
+              </a:rPr>
+              <a:t>Stages of a Data Visualization Project</a:t>
+            </a:r>
+            <a:endParaRPr lang="en-IN" dirty="0">
+              <a:solidFill>
+                <a:srgbClr val="B6950A"/>
+              </a:solidFill>
+              <a:latin typeface="Segoe UI" panose="020B0502040204020203" pitchFamily="34" charset="0"/>
+              <a:cs typeface="Segoe UI" panose="020B0502040204020203" pitchFamily="34" charset="0"/>
+            </a:endParaRPr>
+          </a:p>
+        </p:txBody>
+      </p:sp>
+      <p:sp>
+        <p:nvSpPr>
+          <p:cNvPr id="36" name="TextBox 35">
+            <a:extLst>
+              <a:ext uri="{FF2B5EF4-FFF2-40B4-BE49-F238E27FC236}">
+                <a16:creationId xmlns:a16="http://schemas.microsoft.com/office/drawing/2014/main" id="{DA4535CD-82F1-4D1B-825E-B70B71508AA7}"/>
+              </a:ext>
+            </a:extLst>
+          </p:cNvPr>
+          <p:cNvSpPr txBox="1"/>
+          <p:nvPr/>
+        </p:nvSpPr>
+        <p:spPr>
+          <a:xfrm>
+            <a:off x="363603" y="2515895"/>
+            <a:ext cx="4579455" cy="369332"/>
+          </a:xfrm>
+          <a:prstGeom prst="rect">
+            <a:avLst/>
+          </a:prstGeom>
+          <a:noFill/>
+        </p:spPr>
+        <p:txBody>
+          <a:bodyPr wrap="square" rtlCol="0">
+            <a:spAutoFit/>
+          </a:bodyPr>
+          <a:lstStyle/>
+          <a:p>
+            <a:r>
+              <a:rPr lang="en-US" dirty="0">
+                <a:solidFill>
+                  <a:srgbClr val="B6950A"/>
+                </a:solidFill>
+                <a:latin typeface="Segoe UI" panose="020B0502040204020203" pitchFamily="34" charset="0"/>
+                <a:cs typeface="Segoe UI" panose="020B0502040204020203" pitchFamily="34" charset="0"/>
+              </a:rPr>
+              <a:t>Power BI features which make it awesome!</a:t>
+            </a:r>
+            <a:endParaRPr lang="en-IN" dirty="0">
+              <a:solidFill>
+                <a:srgbClr val="B6950A"/>
+              </a:solidFill>
+              <a:latin typeface="Segoe UI" panose="020B0502040204020203" pitchFamily="34" charset="0"/>
+              <a:cs typeface="Segoe UI" panose="020B0502040204020203" pitchFamily="34" charset="0"/>
+            </a:endParaRPr>
+          </a:p>
+        </p:txBody>
+      </p:sp>
+      <p:sp>
+        <p:nvSpPr>
+          <p:cNvPr id="37" name="TextBox 36">
+            <a:extLst>
+              <a:ext uri="{FF2B5EF4-FFF2-40B4-BE49-F238E27FC236}">
+                <a16:creationId xmlns:a16="http://schemas.microsoft.com/office/drawing/2014/main" id="{4786B659-F45C-4033-BAF4-87C028313ECB}"/>
+              </a:ext>
+            </a:extLst>
+          </p:cNvPr>
+          <p:cNvSpPr txBox="1"/>
+          <p:nvPr/>
+        </p:nvSpPr>
+        <p:spPr>
+          <a:xfrm>
+            <a:off x="363602" y="3144366"/>
+            <a:ext cx="4579455" cy="369332"/>
+          </a:xfrm>
+          <a:prstGeom prst="rect">
+            <a:avLst/>
+          </a:prstGeom>
+          <a:noFill/>
+        </p:spPr>
+        <p:txBody>
+          <a:bodyPr wrap="square" rtlCol="0">
+            <a:spAutoFit/>
+          </a:bodyPr>
+          <a:lstStyle/>
+          <a:p>
+            <a:r>
+              <a:rPr lang="en-US" dirty="0">
+                <a:solidFill>
+                  <a:srgbClr val="B6950A"/>
+                </a:solidFill>
+                <a:latin typeface="Segoe UI" panose="020B0502040204020203" pitchFamily="34" charset="0"/>
+                <a:cs typeface="Segoe UI" panose="020B0502040204020203" pitchFamily="34" charset="0"/>
+              </a:rPr>
+              <a:t>Use Case Discussion</a:t>
+            </a:r>
+            <a:endParaRPr lang="en-IN" dirty="0">
+              <a:solidFill>
+                <a:srgbClr val="B6950A"/>
+              </a:solidFill>
+              <a:latin typeface="Segoe UI" panose="020B0502040204020203" pitchFamily="34" charset="0"/>
+              <a:cs typeface="Segoe UI" panose="020B0502040204020203" pitchFamily="34" charset="0"/>
+            </a:endParaRPr>
+          </a:p>
+        </p:txBody>
+      </p:sp>
+      <p:sp>
+        <p:nvSpPr>
+          <p:cNvPr id="38" name="TextBox 37">
+            <a:extLst>
+              <a:ext uri="{FF2B5EF4-FFF2-40B4-BE49-F238E27FC236}">
+                <a16:creationId xmlns:a16="http://schemas.microsoft.com/office/drawing/2014/main" id="{DB17B961-C99F-40F8-ACA1-6D008AB81FB9}"/>
+              </a:ext>
+            </a:extLst>
+          </p:cNvPr>
+          <p:cNvSpPr txBox="1"/>
+          <p:nvPr/>
+        </p:nvSpPr>
+        <p:spPr>
+          <a:xfrm>
+            <a:off x="363602" y="3772837"/>
+            <a:ext cx="4579455" cy="369332"/>
+          </a:xfrm>
+          <a:prstGeom prst="rect">
+            <a:avLst/>
+          </a:prstGeom>
+          <a:noFill/>
+        </p:spPr>
+        <p:txBody>
+          <a:bodyPr wrap="square" rtlCol="0">
+            <a:spAutoFit/>
+          </a:bodyPr>
+          <a:lstStyle/>
+          <a:p>
+            <a:r>
+              <a:rPr lang="en-US" dirty="0">
+                <a:solidFill>
+                  <a:srgbClr val="B6950A"/>
+                </a:solidFill>
+                <a:latin typeface="Segoe UI" panose="020B0502040204020203" pitchFamily="34" charset="0"/>
+                <a:cs typeface="Segoe UI" panose="020B0502040204020203" pitchFamily="34" charset="0"/>
+              </a:rPr>
+              <a:t>Wireframe Development</a:t>
+            </a:r>
+            <a:endParaRPr lang="en-IN" dirty="0">
+              <a:solidFill>
+                <a:srgbClr val="B6950A"/>
+              </a:solidFill>
+              <a:latin typeface="Segoe UI" panose="020B0502040204020203" pitchFamily="34" charset="0"/>
+              <a:cs typeface="Segoe UI" panose="020B0502040204020203" pitchFamily="34" charset="0"/>
+            </a:endParaRPr>
+          </a:p>
+        </p:txBody>
+      </p:sp>
+      <p:sp>
+        <p:nvSpPr>
+          <p:cNvPr id="39" name="TextBox 38">
+            <a:extLst>
+              <a:ext uri="{FF2B5EF4-FFF2-40B4-BE49-F238E27FC236}">
+                <a16:creationId xmlns:a16="http://schemas.microsoft.com/office/drawing/2014/main" id="{7170E773-01B5-4B1B-B638-D98E510B4FD0}"/>
+              </a:ext>
+            </a:extLst>
+          </p:cNvPr>
+          <p:cNvSpPr txBox="1"/>
+          <p:nvPr/>
+        </p:nvSpPr>
+        <p:spPr>
+          <a:xfrm>
+            <a:off x="363602" y="4401308"/>
+            <a:ext cx="4579455" cy="369332"/>
+          </a:xfrm>
+          <a:prstGeom prst="rect">
+            <a:avLst/>
+          </a:prstGeom>
+          <a:noFill/>
+        </p:spPr>
+        <p:txBody>
+          <a:bodyPr wrap="square" rtlCol="0">
+            <a:spAutoFit/>
+          </a:bodyPr>
+          <a:lstStyle/>
+          <a:p>
+            <a:r>
+              <a:rPr lang="en-US" dirty="0">
+                <a:solidFill>
+                  <a:srgbClr val="B6950A"/>
+                </a:solidFill>
+                <a:latin typeface="Segoe UI" panose="020B0502040204020203" pitchFamily="34" charset="0"/>
+                <a:cs typeface="Segoe UI" panose="020B0502040204020203" pitchFamily="34" charset="0"/>
+              </a:rPr>
+              <a:t>Data Import &amp; Clean Up</a:t>
+            </a:r>
+            <a:endParaRPr lang="en-IN" dirty="0">
+              <a:solidFill>
+                <a:srgbClr val="B6950A"/>
+              </a:solidFill>
+              <a:latin typeface="Segoe UI" panose="020B0502040204020203" pitchFamily="34" charset="0"/>
+              <a:cs typeface="Segoe UI" panose="020B0502040204020203" pitchFamily="34" charset="0"/>
+            </a:endParaRPr>
+          </a:p>
+        </p:txBody>
+      </p:sp>
+      <p:sp>
+        <p:nvSpPr>
+          <p:cNvPr id="40" name="TextBox 39">
+            <a:extLst>
+              <a:ext uri="{FF2B5EF4-FFF2-40B4-BE49-F238E27FC236}">
+                <a16:creationId xmlns:a16="http://schemas.microsoft.com/office/drawing/2014/main" id="{75524CF4-09D4-4713-9530-79A9C6E2EC65}"/>
+              </a:ext>
+            </a:extLst>
+          </p:cNvPr>
+          <p:cNvSpPr txBox="1"/>
+          <p:nvPr/>
+        </p:nvSpPr>
+        <p:spPr>
+          <a:xfrm>
+            <a:off x="363601" y="5029779"/>
+            <a:ext cx="4579455" cy="369332"/>
+          </a:xfrm>
+          <a:prstGeom prst="rect">
+            <a:avLst/>
+          </a:prstGeom>
+          <a:noFill/>
+        </p:spPr>
+        <p:txBody>
+          <a:bodyPr wrap="square" rtlCol="0">
+            <a:spAutoFit/>
+          </a:bodyPr>
+          <a:lstStyle/>
+          <a:p>
+            <a:r>
+              <a:rPr lang="en-US" dirty="0">
+                <a:solidFill>
+                  <a:srgbClr val="B6950A"/>
+                </a:solidFill>
+                <a:latin typeface="Segoe UI" panose="020B0502040204020203" pitchFamily="34" charset="0"/>
+                <a:cs typeface="Segoe UI" panose="020B0502040204020203" pitchFamily="34" charset="0"/>
+              </a:rPr>
+              <a:t>Data Pre-processing</a:t>
+            </a:r>
+            <a:endParaRPr lang="en-IN" dirty="0">
+              <a:solidFill>
+                <a:srgbClr val="B6950A"/>
+              </a:solidFill>
+              <a:latin typeface="Segoe UI" panose="020B0502040204020203" pitchFamily="34" charset="0"/>
+              <a:cs typeface="Segoe UI" panose="020B0502040204020203" pitchFamily="34" charset="0"/>
+            </a:endParaRPr>
+          </a:p>
+        </p:txBody>
+      </p:sp>
+      <p:sp>
+        <p:nvSpPr>
+          <p:cNvPr id="41" name="TextBox 40">
+            <a:extLst>
+              <a:ext uri="{FF2B5EF4-FFF2-40B4-BE49-F238E27FC236}">
+                <a16:creationId xmlns:a16="http://schemas.microsoft.com/office/drawing/2014/main" id="{E667F9D8-D2B5-4E8F-82A6-CB341A9A9BFF}"/>
+              </a:ext>
+            </a:extLst>
+          </p:cNvPr>
+          <p:cNvSpPr txBox="1"/>
+          <p:nvPr/>
+        </p:nvSpPr>
+        <p:spPr>
+          <a:xfrm>
+            <a:off x="363600" y="5658249"/>
+            <a:ext cx="4579455" cy="369332"/>
+          </a:xfrm>
+          <a:prstGeom prst="rect">
+            <a:avLst/>
+          </a:prstGeom>
+          <a:noFill/>
+        </p:spPr>
+        <p:txBody>
+          <a:bodyPr wrap="square" rtlCol="0">
+            <a:spAutoFit/>
+          </a:bodyPr>
+          <a:lstStyle/>
+          <a:p>
+            <a:r>
+              <a:rPr lang="en-US" dirty="0">
+                <a:solidFill>
+                  <a:srgbClr val="B6950A"/>
+                </a:solidFill>
+                <a:latin typeface="Segoe UI" panose="020B0502040204020203" pitchFamily="34" charset="0"/>
+                <a:cs typeface="Segoe UI" panose="020B0502040204020203" pitchFamily="34" charset="0"/>
+              </a:rPr>
+              <a:t>Building First Dashboard</a:t>
+            </a:r>
+            <a:endParaRPr lang="en-IN" dirty="0">
+              <a:solidFill>
+                <a:srgbClr val="B6950A"/>
+              </a:solidFill>
+              <a:latin typeface="Segoe UI" panose="020B0502040204020203" pitchFamily="34" charset="0"/>
+              <a:cs typeface="Segoe UI" panose="020B0502040204020203" pitchFamily="34" charset="0"/>
+            </a:endParaRPr>
+          </a:p>
+        </p:txBody>
+      </p:sp>
+      <p:sp>
+        <p:nvSpPr>
+          <p:cNvPr id="24" name="Arrow: Right 23">
+            <a:extLst>
+              <a:ext uri="{FF2B5EF4-FFF2-40B4-BE49-F238E27FC236}">
+                <a16:creationId xmlns:a16="http://schemas.microsoft.com/office/drawing/2014/main" id="{B453B3DA-CAA6-4489-B9CA-749EB70A4DF1}"/>
+              </a:ext>
+            </a:extLst>
+          </p:cNvPr>
+          <p:cNvSpPr/>
+          <p:nvPr/>
+        </p:nvSpPr>
+        <p:spPr>
+          <a:xfrm>
+            <a:off x="1318594" y="6027581"/>
+            <a:ext cx="4359964" cy="1035862"/>
+          </a:xfrm>
+          <a:prstGeom prst="rightArrow">
+            <a:avLst/>
+          </a:prstGeom>
+          <a:solidFill>
+            <a:srgbClr val="F2C811"/>
+          </a:solidFill>
+          <a:ln>
+            <a:noFill/>
+          </a:ln>
+        </p:spPr>
+        <p:style>
+          <a:lnRef idx="2">
+            <a:schemeClr val="accent1">
+              <a:shade val="50000"/>
+            </a:schemeClr>
+          </a:lnRef>
+          <a:fillRef idx="1">
+            <a:schemeClr val="accent1"/>
+          </a:fillRef>
+          <a:effectRef idx="0">
+            <a:schemeClr val="accent1"/>
+          </a:effectRef>
+          <a:fontRef idx="minor">
+            <a:schemeClr val="lt1"/>
+          </a:fontRef>
+        </p:style>
+        <p:txBody>
+          <a:bodyPr rtlCol="0" anchor="ctr"/>
+          <a:lstStyle/>
+          <a:p>
+            <a:pPr algn="r"/>
+            <a:r>
+              <a:rPr lang="en-US" dirty="0">
+                <a:solidFill>
+                  <a:schemeClr val="tx1"/>
+                </a:solidFill>
+                <a:latin typeface="Segoe UI" panose="020B0502040204020203" pitchFamily="34" charset="0"/>
+                <a:cs typeface="Segoe UI" panose="020B0502040204020203" pitchFamily="34" charset="0"/>
+              </a:rPr>
+              <a:t>Publishing Dashboard</a:t>
+            </a:r>
+            <a:endParaRPr lang="en-IN" dirty="0">
+              <a:solidFill>
+                <a:schemeClr val="tx1"/>
+              </a:solidFill>
+              <a:latin typeface="Segoe UI" panose="020B0502040204020203" pitchFamily="34" charset="0"/>
+              <a:cs typeface="Segoe UI" panose="020B0502040204020203" pitchFamily="34" charset="0"/>
+            </a:endParaRPr>
+          </a:p>
+        </p:txBody>
+      </p:sp>
+    </p:spTree>
+    <p:extLst>
+      <p:ext uri="{BB962C8B-B14F-4D97-AF65-F5344CB8AC3E}">
         <p14:creationId xmlns:p14="http://schemas.microsoft.com/office/powerpoint/2010/main" val="2265166969"/>
+      </p:ext>
+    </p:extLst>
+  </p:cSld>
+  <p:clrMapOvr>
+    <a:masterClrMapping/>
+  </p:clrMapOvr>
+</p:sld>
+</file>
+
+<file path=ppt/slides/slide12.xml><?xml version="1.0" encoding="utf-8"?>
+<p:sld xmlns:a="http://schemas.openxmlformats.org/drawingml/2006/main" xmlns:r="http://schemas.openxmlformats.org/officeDocument/2006/relationships" xmlns:p="http://schemas.openxmlformats.org/presentationml/2006/main">
+  <p:cSld>
+    <p:spTree>
+      <p:nvGrpSpPr>
+        <p:cNvPr id="1" name=""/>
+        <p:cNvGrpSpPr/>
+        <p:nvPr/>
+      </p:nvGrpSpPr>
+      <p:grpSpPr>
+        <a:xfrm>
+          <a:off x="0" y="0"/>
+          <a:ext cx="0" cy="0"/>
+          <a:chOff x="0" y="0"/>
+          <a:chExt cx="0" cy="0"/>
+        </a:xfrm>
+      </p:grpSpPr>
+      <p:sp>
+        <p:nvSpPr>
+          <p:cNvPr id="4" name="Rectangle 3">
+            <a:extLst>
+              <a:ext uri="{FF2B5EF4-FFF2-40B4-BE49-F238E27FC236}">
+                <a16:creationId xmlns:a16="http://schemas.microsoft.com/office/drawing/2014/main" id="{1205B21C-D428-4470-83F2-13414BD0B8D7}"/>
+              </a:ext>
+            </a:extLst>
+          </p:cNvPr>
+          <p:cNvSpPr/>
+          <p:nvPr/>
+        </p:nvSpPr>
+        <p:spPr>
+          <a:xfrm>
+            <a:off x="0" y="0"/>
+            <a:ext cx="5168348" cy="6858000"/>
+          </a:xfrm>
+          <a:prstGeom prst="rect">
+            <a:avLst/>
+          </a:prstGeom>
+          <a:solidFill>
+            <a:srgbClr val="F2C811"/>
+          </a:solidFill>
+          <a:ln>
+            <a:noFill/>
+          </a:ln>
+        </p:spPr>
+        <p:style>
+          <a:lnRef idx="2">
+            <a:schemeClr val="accent1">
+              <a:shade val="50000"/>
+            </a:schemeClr>
+          </a:lnRef>
+          <a:fillRef idx="1">
+            <a:schemeClr val="accent1"/>
+          </a:fillRef>
+          <a:effectRef idx="0">
+            <a:schemeClr val="accent1"/>
+          </a:effectRef>
+          <a:fontRef idx="minor">
+            <a:schemeClr val="lt1"/>
+          </a:fontRef>
+        </p:style>
+        <p:txBody>
+          <a:bodyPr rtlCol="0" anchor="ctr"/>
+          <a:lstStyle/>
+          <a:p>
+            <a:pPr algn="ctr"/>
+            <a:endParaRPr lang="en-IN"/>
+          </a:p>
+        </p:txBody>
+      </p:sp>
+      <p:pic>
+        <p:nvPicPr>
+          <p:cNvPr id="6" name="Picture 5">
+            <a:extLst>
+              <a:ext uri="{FF2B5EF4-FFF2-40B4-BE49-F238E27FC236}">
+                <a16:creationId xmlns:a16="http://schemas.microsoft.com/office/drawing/2014/main" id="{1D4483AD-BCFC-47EE-AA76-31EEB3C4CBA5}"/>
+              </a:ext>
+            </a:extLst>
+          </p:cNvPr>
+          <p:cNvPicPr>
+            <a:picLocks noChangeAspect="1"/>
+          </p:cNvPicPr>
+          <p:nvPr/>
+        </p:nvPicPr>
+        <p:blipFill>
+          <a:blip r:embed="rId2">
+            <a:extLst>
+              <a:ext uri="{28A0092B-C50C-407E-A947-70E740481C1C}">
+                <a14:useLocalDpi xmlns:a14="http://schemas.microsoft.com/office/drawing/2010/main" val="0"/>
+              </a:ext>
+            </a:extLst>
+          </a:blip>
+          <a:stretch>
+            <a:fillRect/>
+          </a:stretch>
+        </p:blipFill>
+        <p:spPr>
+          <a:xfrm>
+            <a:off x="144946" y="113472"/>
+            <a:ext cx="795958" cy="795958"/>
+          </a:xfrm>
+          <a:prstGeom prst="rect">
+            <a:avLst/>
+          </a:prstGeom>
+        </p:spPr>
+      </p:pic>
+      <p:sp>
+        <p:nvSpPr>
+          <p:cNvPr id="11" name="TextBox 10">
+            <a:extLst>
+              <a:ext uri="{FF2B5EF4-FFF2-40B4-BE49-F238E27FC236}">
+                <a16:creationId xmlns:a16="http://schemas.microsoft.com/office/drawing/2014/main" id="{E00F6200-F731-4832-A8F1-E5934CEF9604}"/>
+              </a:ext>
+            </a:extLst>
+          </p:cNvPr>
+          <p:cNvSpPr txBox="1"/>
+          <p:nvPr/>
+        </p:nvSpPr>
+        <p:spPr>
+          <a:xfrm>
+            <a:off x="702366" y="232740"/>
+            <a:ext cx="4359964" cy="646331"/>
+          </a:xfrm>
+          <a:prstGeom prst="rect">
+            <a:avLst/>
+          </a:prstGeom>
+          <a:noFill/>
+        </p:spPr>
+        <p:txBody>
+          <a:bodyPr wrap="square" rtlCol="0">
+            <a:spAutoFit/>
+          </a:bodyPr>
+          <a:lstStyle/>
+          <a:p>
+            <a:pPr algn="ctr"/>
+            <a:r>
+              <a:rPr lang="en-US" sz="3600" dirty="0">
+                <a:latin typeface="Segoe UI" panose="020B0502040204020203" pitchFamily="34" charset="0"/>
+                <a:cs typeface="Segoe UI" panose="020B0502040204020203" pitchFamily="34" charset="0"/>
+              </a:rPr>
+              <a:t>Power BI Basics</a:t>
+            </a:r>
+            <a:endParaRPr lang="en-IN" sz="3600" dirty="0">
+              <a:latin typeface="Segoe UI" panose="020B0502040204020203" pitchFamily="34" charset="0"/>
+              <a:cs typeface="Segoe UI" panose="020B0502040204020203" pitchFamily="34" charset="0"/>
+            </a:endParaRPr>
+          </a:p>
+        </p:txBody>
+      </p:sp>
+      <p:cxnSp>
+        <p:nvCxnSpPr>
+          <p:cNvPr id="23" name="Straight Connector 22">
+            <a:extLst>
+              <a:ext uri="{FF2B5EF4-FFF2-40B4-BE49-F238E27FC236}">
+                <a16:creationId xmlns:a16="http://schemas.microsoft.com/office/drawing/2014/main" id="{87046D73-9373-4531-8F5A-62CAFA3C6F06}"/>
+              </a:ext>
+            </a:extLst>
+          </p:cNvPr>
+          <p:cNvCxnSpPr>
+            <a:cxnSpLocks/>
+          </p:cNvCxnSpPr>
+          <p:nvPr/>
+        </p:nvCxnSpPr>
+        <p:spPr>
+          <a:xfrm>
+            <a:off x="363604" y="1126433"/>
+            <a:ext cx="4579455" cy="0"/>
+          </a:xfrm>
+          <a:prstGeom prst="line">
+            <a:avLst/>
+          </a:prstGeom>
+          <a:ln>
+            <a:solidFill>
+              <a:srgbClr val="CFAA0B"/>
+            </a:solidFill>
+          </a:ln>
+        </p:spPr>
+        <p:style>
+          <a:lnRef idx="1">
+            <a:schemeClr val="accent2"/>
+          </a:lnRef>
+          <a:fillRef idx="0">
+            <a:schemeClr val="accent2"/>
+          </a:fillRef>
+          <a:effectRef idx="0">
+            <a:schemeClr val="accent2"/>
+          </a:effectRef>
+          <a:fontRef idx="minor">
+            <a:schemeClr val="tx1"/>
+          </a:fontRef>
+        </p:style>
+      </p:cxnSp>
+      <p:cxnSp>
+        <p:nvCxnSpPr>
+          <p:cNvPr id="26" name="Straight Connector 25">
+            <a:extLst>
+              <a:ext uri="{FF2B5EF4-FFF2-40B4-BE49-F238E27FC236}">
+                <a16:creationId xmlns:a16="http://schemas.microsoft.com/office/drawing/2014/main" id="{83537F96-AB97-4338-A7A4-862F42510DBF}"/>
+              </a:ext>
+            </a:extLst>
+          </p:cNvPr>
+          <p:cNvCxnSpPr>
+            <a:cxnSpLocks/>
+          </p:cNvCxnSpPr>
+          <p:nvPr/>
+        </p:nvCxnSpPr>
+        <p:spPr>
+          <a:xfrm>
+            <a:off x="363604" y="1755912"/>
+            <a:ext cx="4579455" cy="0"/>
+          </a:xfrm>
+          <a:prstGeom prst="line">
+            <a:avLst/>
+          </a:prstGeom>
+          <a:ln>
+            <a:solidFill>
+              <a:srgbClr val="CFAA0B"/>
+            </a:solidFill>
+          </a:ln>
+        </p:spPr>
+        <p:style>
+          <a:lnRef idx="1">
+            <a:schemeClr val="accent2"/>
+          </a:lnRef>
+          <a:fillRef idx="0">
+            <a:schemeClr val="accent2"/>
+          </a:fillRef>
+          <a:effectRef idx="0">
+            <a:schemeClr val="accent2"/>
+          </a:effectRef>
+          <a:fontRef idx="minor">
+            <a:schemeClr val="tx1"/>
+          </a:fontRef>
+        </p:style>
+      </p:cxnSp>
+      <p:cxnSp>
+        <p:nvCxnSpPr>
+          <p:cNvPr id="27" name="Straight Connector 26">
+            <a:extLst>
+              <a:ext uri="{FF2B5EF4-FFF2-40B4-BE49-F238E27FC236}">
+                <a16:creationId xmlns:a16="http://schemas.microsoft.com/office/drawing/2014/main" id="{55D1FE7D-3990-4E7B-A552-4A1615D6002F}"/>
+              </a:ext>
+            </a:extLst>
+          </p:cNvPr>
+          <p:cNvCxnSpPr>
+            <a:cxnSpLocks/>
+          </p:cNvCxnSpPr>
+          <p:nvPr/>
+        </p:nvCxnSpPr>
+        <p:spPr>
+          <a:xfrm>
+            <a:off x="363604" y="3014870"/>
+            <a:ext cx="4579455" cy="0"/>
+          </a:xfrm>
+          <a:prstGeom prst="line">
+            <a:avLst/>
+          </a:prstGeom>
+          <a:ln>
+            <a:solidFill>
+              <a:srgbClr val="CFAA0B"/>
+            </a:solidFill>
+          </a:ln>
+        </p:spPr>
+        <p:style>
+          <a:lnRef idx="1">
+            <a:schemeClr val="accent2"/>
+          </a:lnRef>
+          <a:fillRef idx="0">
+            <a:schemeClr val="accent2"/>
+          </a:fillRef>
+          <a:effectRef idx="0">
+            <a:schemeClr val="accent2"/>
+          </a:effectRef>
+          <a:fontRef idx="minor">
+            <a:schemeClr val="tx1"/>
+          </a:fontRef>
+        </p:style>
+      </p:cxnSp>
+      <p:cxnSp>
+        <p:nvCxnSpPr>
+          <p:cNvPr id="28" name="Straight Connector 27">
+            <a:extLst>
+              <a:ext uri="{FF2B5EF4-FFF2-40B4-BE49-F238E27FC236}">
+                <a16:creationId xmlns:a16="http://schemas.microsoft.com/office/drawing/2014/main" id="{F0DE1491-A554-46C6-909E-5D0DC28A19D7}"/>
+              </a:ext>
+            </a:extLst>
+          </p:cNvPr>
+          <p:cNvCxnSpPr>
+            <a:cxnSpLocks/>
+          </p:cNvCxnSpPr>
+          <p:nvPr/>
+        </p:nvCxnSpPr>
+        <p:spPr>
+          <a:xfrm>
+            <a:off x="363604" y="2385391"/>
+            <a:ext cx="4579455" cy="0"/>
+          </a:xfrm>
+          <a:prstGeom prst="line">
+            <a:avLst/>
+          </a:prstGeom>
+          <a:ln>
+            <a:solidFill>
+              <a:srgbClr val="CFAA0B"/>
+            </a:solidFill>
+          </a:ln>
+        </p:spPr>
+        <p:style>
+          <a:lnRef idx="1">
+            <a:schemeClr val="accent2"/>
+          </a:lnRef>
+          <a:fillRef idx="0">
+            <a:schemeClr val="accent2"/>
+          </a:fillRef>
+          <a:effectRef idx="0">
+            <a:schemeClr val="accent2"/>
+          </a:effectRef>
+          <a:fontRef idx="minor">
+            <a:schemeClr val="tx1"/>
+          </a:fontRef>
+        </p:style>
+      </p:cxnSp>
+      <p:cxnSp>
+        <p:nvCxnSpPr>
+          <p:cNvPr id="29" name="Straight Connector 28">
+            <a:extLst>
+              <a:ext uri="{FF2B5EF4-FFF2-40B4-BE49-F238E27FC236}">
+                <a16:creationId xmlns:a16="http://schemas.microsoft.com/office/drawing/2014/main" id="{7EF590CB-6513-4ACF-95EE-22FA3AC2F9A6}"/>
+              </a:ext>
+            </a:extLst>
+          </p:cNvPr>
+          <p:cNvCxnSpPr>
+            <a:cxnSpLocks/>
+          </p:cNvCxnSpPr>
+          <p:nvPr/>
+        </p:nvCxnSpPr>
+        <p:spPr>
+          <a:xfrm>
+            <a:off x="363604" y="4273828"/>
+            <a:ext cx="4579455" cy="0"/>
+          </a:xfrm>
+          <a:prstGeom prst="line">
+            <a:avLst/>
+          </a:prstGeom>
+          <a:ln>
+            <a:solidFill>
+              <a:srgbClr val="CFAA0B"/>
+            </a:solidFill>
+          </a:ln>
+        </p:spPr>
+        <p:style>
+          <a:lnRef idx="1">
+            <a:schemeClr val="accent2"/>
+          </a:lnRef>
+          <a:fillRef idx="0">
+            <a:schemeClr val="accent2"/>
+          </a:fillRef>
+          <a:effectRef idx="0">
+            <a:schemeClr val="accent2"/>
+          </a:effectRef>
+          <a:fontRef idx="minor">
+            <a:schemeClr val="tx1"/>
+          </a:fontRef>
+        </p:style>
+      </p:cxnSp>
+      <p:cxnSp>
+        <p:nvCxnSpPr>
+          <p:cNvPr id="30" name="Straight Connector 29">
+            <a:extLst>
+              <a:ext uri="{FF2B5EF4-FFF2-40B4-BE49-F238E27FC236}">
+                <a16:creationId xmlns:a16="http://schemas.microsoft.com/office/drawing/2014/main" id="{2197002C-80C6-4219-930E-BA7C1FE50004}"/>
+              </a:ext>
+            </a:extLst>
+          </p:cNvPr>
+          <p:cNvCxnSpPr>
+            <a:cxnSpLocks/>
+          </p:cNvCxnSpPr>
+          <p:nvPr/>
+        </p:nvCxnSpPr>
+        <p:spPr>
+          <a:xfrm>
+            <a:off x="363604" y="3644349"/>
+            <a:ext cx="4579455" cy="0"/>
+          </a:xfrm>
+          <a:prstGeom prst="line">
+            <a:avLst/>
+          </a:prstGeom>
+          <a:ln>
+            <a:solidFill>
+              <a:srgbClr val="CFAA0B"/>
+            </a:solidFill>
+          </a:ln>
+        </p:spPr>
+        <p:style>
+          <a:lnRef idx="1">
+            <a:schemeClr val="accent2"/>
+          </a:lnRef>
+          <a:fillRef idx="0">
+            <a:schemeClr val="accent2"/>
+          </a:fillRef>
+          <a:effectRef idx="0">
+            <a:schemeClr val="accent2"/>
+          </a:effectRef>
+          <a:fontRef idx="minor">
+            <a:schemeClr val="tx1"/>
+          </a:fontRef>
+        </p:style>
+      </p:cxnSp>
+      <p:cxnSp>
+        <p:nvCxnSpPr>
+          <p:cNvPr id="31" name="Straight Connector 30">
+            <a:extLst>
+              <a:ext uri="{FF2B5EF4-FFF2-40B4-BE49-F238E27FC236}">
+                <a16:creationId xmlns:a16="http://schemas.microsoft.com/office/drawing/2014/main" id="{D0E51131-DC48-4E8B-BBFA-F4F28AE57E41}"/>
+              </a:ext>
+            </a:extLst>
+          </p:cNvPr>
+          <p:cNvCxnSpPr>
+            <a:cxnSpLocks/>
+          </p:cNvCxnSpPr>
+          <p:nvPr/>
+        </p:nvCxnSpPr>
+        <p:spPr>
+          <a:xfrm>
+            <a:off x="363604" y="4903307"/>
+            <a:ext cx="4579455" cy="0"/>
+          </a:xfrm>
+          <a:prstGeom prst="line">
+            <a:avLst/>
+          </a:prstGeom>
+          <a:ln>
+            <a:solidFill>
+              <a:srgbClr val="CFAA0B"/>
+            </a:solidFill>
+          </a:ln>
+        </p:spPr>
+        <p:style>
+          <a:lnRef idx="1">
+            <a:schemeClr val="accent2"/>
+          </a:lnRef>
+          <a:fillRef idx="0">
+            <a:schemeClr val="accent2"/>
+          </a:fillRef>
+          <a:effectRef idx="0">
+            <a:schemeClr val="accent2"/>
+          </a:effectRef>
+          <a:fontRef idx="minor">
+            <a:schemeClr val="tx1"/>
+          </a:fontRef>
+        </p:style>
+      </p:cxnSp>
+      <p:cxnSp>
+        <p:nvCxnSpPr>
+          <p:cNvPr id="32" name="Straight Connector 31">
+            <a:extLst>
+              <a:ext uri="{FF2B5EF4-FFF2-40B4-BE49-F238E27FC236}">
+                <a16:creationId xmlns:a16="http://schemas.microsoft.com/office/drawing/2014/main" id="{F6E373C9-C861-47EF-879B-B100097D06D1}"/>
+              </a:ext>
+            </a:extLst>
+          </p:cNvPr>
+          <p:cNvCxnSpPr>
+            <a:cxnSpLocks/>
+          </p:cNvCxnSpPr>
+          <p:nvPr/>
+        </p:nvCxnSpPr>
+        <p:spPr>
+          <a:xfrm>
+            <a:off x="363604" y="5532786"/>
+            <a:ext cx="4579455" cy="0"/>
+          </a:xfrm>
+          <a:prstGeom prst="line">
+            <a:avLst/>
+          </a:prstGeom>
+          <a:ln>
+            <a:solidFill>
+              <a:srgbClr val="CFAA0B"/>
+            </a:solidFill>
+          </a:ln>
+        </p:spPr>
+        <p:style>
+          <a:lnRef idx="1">
+            <a:schemeClr val="accent2"/>
+          </a:lnRef>
+          <a:fillRef idx="0">
+            <a:schemeClr val="accent2"/>
+          </a:fillRef>
+          <a:effectRef idx="0">
+            <a:schemeClr val="accent2"/>
+          </a:effectRef>
+          <a:fontRef idx="minor">
+            <a:schemeClr val="tx1"/>
+          </a:fontRef>
+        </p:style>
+      </p:cxnSp>
+      <p:cxnSp>
+        <p:nvCxnSpPr>
+          <p:cNvPr id="33" name="Straight Connector 32">
+            <a:extLst>
+              <a:ext uri="{FF2B5EF4-FFF2-40B4-BE49-F238E27FC236}">
+                <a16:creationId xmlns:a16="http://schemas.microsoft.com/office/drawing/2014/main" id="{C6183B74-DA75-45D5-ADB6-64BE5D0CCDCF}"/>
+              </a:ext>
+            </a:extLst>
+          </p:cNvPr>
+          <p:cNvCxnSpPr>
+            <a:cxnSpLocks/>
+          </p:cNvCxnSpPr>
+          <p:nvPr/>
+        </p:nvCxnSpPr>
+        <p:spPr>
+          <a:xfrm>
+            <a:off x="363604" y="6162262"/>
+            <a:ext cx="4579455" cy="0"/>
+          </a:xfrm>
+          <a:prstGeom prst="line">
+            <a:avLst/>
+          </a:prstGeom>
+          <a:ln>
+            <a:solidFill>
+              <a:srgbClr val="CFAA0B"/>
+            </a:solidFill>
+          </a:ln>
+        </p:spPr>
+        <p:style>
+          <a:lnRef idx="1">
+            <a:schemeClr val="accent2"/>
+          </a:lnRef>
+          <a:fillRef idx="0">
+            <a:schemeClr val="accent2"/>
+          </a:fillRef>
+          <a:effectRef idx="0">
+            <a:schemeClr val="accent2"/>
+          </a:effectRef>
+          <a:fontRef idx="minor">
+            <a:schemeClr val="tx1"/>
+          </a:fontRef>
+        </p:style>
+      </p:cxnSp>
+      <p:sp>
+        <p:nvSpPr>
+          <p:cNvPr id="34" name="TextBox 33">
+            <a:extLst>
+              <a:ext uri="{FF2B5EF4-FFF2-40B4-BE49-F238E27FC236}">
+                <a16:creationId xmlns:a16="http://schemas.microsoft.com/office/drawing/2014/main" id="{8E14D00D-2B41-46D4-B0ED-C7DEC7AD9B80}"/>
+              </a:ext>
+            </a:extLst>
+          </p:cNvPr>
+          <p:cNvSpPr txBox="1"/>
+          <p:nvPr/>
+        </p:nvSpPr>
+        <p:spPr>
+          <a:xfrm>
+            <a:off x="363604" y="1258953"/>
+            <a:ext cx="4579455" cy="369332"/>
+          </a:xfrm>
+          <a:prstGeom prst="rect">
+            <a:avLst/>
+          </a:prstGeom>
+          <a:noFill/>
+        </p:spPr>
+        <p:txBody>
+          <a:bodyPr wrap="square" rtlCol="0">
+            <a:spAutoFit/>
+          </a:bodyPr>
+          <a:lstStyle/>
+          <a:p>
+            <a:r>
+              <a:rPr lang="en-US" dirty="0">
+                <a:latin typeface="Segoe UI" panose="020B0502040204020203" pitchFamily="34" charset="0"/>
+                <a:cs typeface="Segoe UI" panose="020B0502040204020203" pitchFamily="34" charset="0"/>
+              </a:rPr>
+              <a:t>Exploring Visualization Options</a:t>
+            </a:r>
+            <a:endParaRPr lang="en-IN" dirty="0">
+              <a:latin typeface="Segoe UI" panose="020B0502040204020203" pitchFamily="34" charset="0"/>
+              <a:cs typeface="Segoe UI" panose="020B0502040204020203" pitchFamily="34" charset="0"/>
+            </a:endParaRPr>
+          </a:p>
+        </p:txBody>
+      </p:sp>
+      <p:sp>
+        <p:nvSpPr>
+          <p:cNvPr id="35" name="TextBox 34">
+            <a:extLst>
+              <a:ext uri="{FF2B5EF4-FFF2-40B4-BE49-F238E27FC236}">
+                <a16:creationId xmlns:a16="http://schemas.microsoft.com/office/drawing/2014/main" id="{F7EBC9CE-E468-41CA-8555-7B4D481A1382}"/>
+              </a:ext>
+            </a:extLst>
+          </p:cNvPr>
+          <p:cNvSpPr txBox="1"/>
+          <p:nvPr/>
+        </p:nvSpPr>
+        <p:spPr>
+          <a:xfrm>
+            <a:off x="363604" y="1887424"/>
+            <a:ext cx="4579455" cy="369332"/>
+          </a:xfrm>
+          <a:prstGeom prst="rect">
+            <a:avLst/>
+          </a:prstGeom>
+          <a:noFill/>
+        </p:spPr>
+        <p:txBody>
+          <a:bodyPr wrap="square" rtlCol="0">
+            <a:spAutoFit/>
+          </a:bodyPr>
+          <a:lstStyle/>
+          <a:p>
+            <a:r>
+              <a:rPr lang="en-US" dirty="0">
+                <a:latin typeface="Segoe UI" panose="020B0502040204020203" pitchFamily="34" charset="0"/>
+                <a:cs typeface="Segoe UI" panose="020B0502040204020203" pitchFamily="34" charset="0"/>
+              </a:rPr>
+              <a:t>Introduction to DAX</a:t>
+            </a:r>
+            <a:endParaRPr lang="en-IN" dirty="0">
+              <a:latin typeface="Segoe UI" panose="020B0502040204020203" pitchFamily="34" charset="0"/>
+              <a:cs typeface="Segoe UI" panose="020B0502040204020203" pitchFamily="34" charset="0"/>
+            </a:endParaRPr>
+          </a:p>
+        </p:txBody>
+      </p:sp>
+      <p:sp>
+        <p:nvSpPr>
+          <p:cNvPr id="36" name="TextBox 35">
+            <a:extLst>
+              <a:ext uri="{FF2B5EF4-FFF2-40B4-BE49-F238E27FC236}">
+                <a16:creationId xmlns:a16="http://schemas.microsoft.com/office/drawing/2014/main" id="{DA4535CD-82F1-4D1B-825E-B70B71508AA7}"/>
+              </a:ext>
+            </a:extLst>
+          </p:cNvPr>
+          <p:cNvSpPr txBox="1"/>
+          <p:nvPr/>
+        </p:nvSpPr>
+        <p:spPr>
+          <a:xfrm>
+            <a:off x="363603" y="2515895"/>
+            <a:ext cx="4579455" cy="369332"/>
+          </a:xfrm>
+          <a:prstGeom prst="rect">
+            <a:avLst/>
+          </a:prstGeom>
+          <a:noFill/>
+        </p:spPr>
+        <p:txBody>
+          <a:bodyPr wrap="square" rtlCol="0">
+            <a:spAutoFit/>
+          </a:bodyPr>
+          <a:lstStyle/>
+          <a:p>
+            <a:r>
+              <a:rPr lang="en-US" dirty="0">
+                <a:latin typeface="Segoe UI" panose="020B0502040204020203" pitchFamily="34" charset="0"/>
+                <a:cs typeface="Segoe UI" panose="020B0502040204020203" pitchFamily="34" charset="0"/>
+              </a:rPr>
+              <a:t>Calculated Columns &amp; Measures</a:t>
+            </a:r>
+            <a:endParaRPr lang="en-IN" dirty="0">
+              <a:latin typeface="Segoe UI" panose="020B0502040204020203" pitchFamily="34" charset="0"/>
+              <a:cs typeface="Segoe UI" panose="020B0502040204020203" pitchFamily="34" charset="0"/>
+            </a:endParaRPr>
+          </a:p>
+        </p:txBody>
+      </p:sp>
+      <p:sp>
+        <p:nvSpPr>
+          <p:cNvPr id="37" name="TextBox 36">
+            <a:extLst>
+              <a:ext uri="{FF2B5EF4-FFF2-40B4-BE49-F238E27FC236}">
+                <a16:creationId xmlns:a16="http://schemas.microsoft.com/office/drawing/2014/main" id="{4786B659-F45C-4033-BAF4-87C028313ECB}"/>
+              </a:ext>
+            </a:extLst>
+          </p:cNvPr>
+          <p:cNvSpPr txBox="1"/>
+          <p:nvPr/>
+        </p:nvSpPr>
+        <p:spPr>
+          <a:xfrm>
+            <a:off x="363602" y="3144366"/>
+            <a:ext cx="4579455" cy="369332"/>
+          </a:xfrm>
+          <a:prstGeom prst="rect">
+            <a:avLst/>
+          </a:prstGeom>
+          <a:noFill/>
+        </p:spPr>
+        <p:txBody>
+          <a:bodyPr wrap="square" rtlCol="0">
+            <a:spAutoFit/>
+          </a:bodyPr>
+          <a:lstStyle/>
+          <a:p>
+            <a:r>
+              <a:rPr lang="en-US" dirty="0">
+                <a:latin typeface="Segoe UI" panose="020B0502040204020203" pitchFamily="34" charset="0"/>
+                <a:cs typeface="Segoe UI" panose="020B0502040204020203" pitchFamily="34" charset="0"/>
+              </a:rPr>
+              <a:t>Quick Measures</a:t>
+            </a:r>
+            <a:endParaRPr lang="en-IN" dirty="0">
+              <a:latin typeface="Segoe UI" panose="020B0502040204020203" pitchFamily="34" charset="0"/>
+              <a:cs typeface="Segoe UI" panose="020B0502040204020203" pitchFamily="34" charset="0"/>
+            </a:endParaRPr>
+          </a:p>
+        </p:txBody>
+      </p:sp>
+      <p:sp>
+        <p:nvSpPr>
+          <p:cNvPr id="38" name="TextBox 37">
+            <a:extLst>
+              <a:ext uri="{FF2B5EF4-FFF2-40B4-BE49-F238E27FC236}">
+                <a16:creationId xmlns:a16="http://schemas.microsoft.com/office/drawing/2014/main" id="{DB17B961-C99F-40F8-ACA1-6D008AB81FB9}"/>
+              </a:ext>
+            </a:extLst>
+          </p:cNvPr>
+          <p:cNvSpPr txBox="1"/>
+          <p:nvPr/>
+        </p:nvSpPr>
+        <p:spPr>
+          <a:xfrm>
+            <a:off x="363602" y="3772837"/>
+            <a:ext cx="4579455" cy="369332"/>
+          </a:xfrm>
+          <a:prstGeom prst="rect">
+            <a:avLst/>
+          </a:prstGeom>
+          <a:noFill/>
+        </p:spPr>
+        <p:txBody>
+          <a:bodyPr wrap="square" rtlCol="0">
+            <a:spAutoFit/>
+          </a:bodyPr>
+          <a:lstStyle/>
+          <a:p>
+            <a:r>
+              <a:rPr lang="en-US" dirty="0">
+                <a:latin typeface="Segoe UI" panose="020B0502040204020203" pitchFamily="34" charset="0"/>
+                <a:cs typeface="Segoe UI" panose="020B0502040204020203" pitchFamily="34" charset="0"/>
+              </a:rPr>
+              <a:t>Conditional Formatting</a:t>
+            </a:r>
+            <a:endParaRPr lang="en-IN" dirty="0">
+              <a:latin typeface="Segoe UI" panose="020B0502040204020203" pitchFamily="34" charset="0"/>
+              <a:cs typeface="Segoe UI" panose="020B0502040204020203" pitchFamily="34" charset="0"/>
+            </a:endParaRPr>
+          </a:p>
+        </p:txBody>
+      </p:sp>
+      <p:sp>
+        <p:nvSpPr>
+          <p:cNvPr id="39" name="TextBox 38">
+            <a:extLst>
+              <a:ext uri="{FF2B5EF4-FFF2-40B4-BE49-F238E27FC236}">
+                <a16:creationId xmlns:a16="http://schemas.microsoft.com/office/drawing/2014/main" id="{7170E773-01B5-4B1B-B638-D98E510B4FD0}"/>
+              </a:ext>
+            </a:extLst>
+          </p:cNvPr>
+          <p:cNvSpPr txBox="1"/>
+          <p:nvPr/>
+        </p:nvSpPr>
+        <p:spPr>
+          <a:xfrm>
+            <a:off x="363602" y="4401308"/>
+            <a:ext cx="4579455" cy="369332"/>
+          </a:xfrm>
+          <a:prstGeom prst="rect">
+            <a:avLst/>
+          </a:prstGeom>
+          <a:noFill/>
+        </p:spPr>
+        <p:txBody>
+          <a:bodyPr wrap="square" rtlCol="0">
+            <a:spAutoFit/>
+          </a:bodyPr>
+          <a:lstStyle/>
+          <a:p>
+            <a:r>
+              <a:rPr lang="en-US" dirty="0">
+                <a:latin typeface="Segoe UI" panose="020B0502040204020203" pitchFamily="34" charset="0"/>
+                <a:cs typeface="Segoe UI" panose="020B0502040204020203" pitchFamily="34" charset="0"/>
+              </a:rPr>
+              <a:t>Data Blending</a:t>
+            </a:r>
+            <a:endParaRPr lang="en-IN" dirty="0">
+              <a:latin typeface="Segoe UI" panose="020B0502040204020203" pitchFamily="34" charset="0"/>
+              <a:cs typeface="Segoe UI" panose="020B0502040204020203" pitchFamily="34" charset="0"/>
+            </a:endParaRPr>
+          </a:p>
+        </p:txBody>
+      </p:sp>
+      <p:sp>
+        <p:nvSpPr>
+          <p:cNvPr id="40" name="TextBox 39">
+            <a:extLst>
+              <a:ext uri="{FF2B5EF4-FFF2-40B4-BE49-F238E27FC236}">
+                <a16:creationId xmlns:a16="http://schemas.microsoft.com/office/drawing/2014/main" id="{75524CF4-09D4-4713-9530-79A9C6E2EC65}"/>
+              </a:ext>
+            </a:extLst>
+          </p:cNvPr>
+          <p:cNvSpPr txBox="1"/>
+          <p:nvPr/>
+        </p:nvSpPr>
+        <p:spPr>
+          <a:xfrm>
+            <a:off x="363601" y="5029779"/>
+            <a:ext cx="4579455" cy="369332"/>
+          </a:xfrm>
+          <a:prstGeom prst="rect">
+            <a:avLst/>
+          </a:prstGeom>
+          <a:noFill/>
+        </p:spPr>
+        <p:txBody>
+          <a:bodyPr wrap="square" rtlCol="0">
+            <a:spAutoFit/>
+          </a:bodyPr>
+          <a:lstStyle/>
+          <a:p>
+            <a:r>
+              <a:rPr lang="en-US" dirty="0">
+                <a:latin typeface="Segoe UI" panose="020B0502040204020203" pitchFamily="34" charset="0"/>
+                <a:cs typeface="Segoe UI" panose="020B0502040204020203" pitchFamily="34" charset="0"/>
+              </a:rPr>
+              <a:t>Calculated Tables</a:t>
+            </a:r>
+            <a:endParaRPr lang="en-IN" dirty="0">
+              <a:latin typeface="Segoe UI" panose="020B0502040204020203" pitchFamily="34" charset="0"/>
+              <a:cs typeface="Segoe UI" panose="020B0502040204020203" pitchFamily="34" charset="0"/>
+            </a:endParaRPr>
+          </a:p>
+        </p:txBody>
+      </p:sp>
+      <p:sp>
+        <p:nvSpPr>
+          <p:cNvPr id="41" name="TextBox 40">
+            <a:extLst>
+              <a:ext uri="{FF2B5EF4-FFF2-40B4-BE49-F238E27FC236}">
+                <a16:creationId xmlns:a16="http://schemas.microsoft.com/office/drawing/2014/main" id="{E667F9D8-D2B5-4E8F-82A6-CB341A9A9BFF}"/>
+              </a:ext>
+            </a:extLst>
+          </p:cNvPr>
+          <p:cNvSpPr txBox="1"/>
+          <p:nvPr/>
+        </p:nvSpPr>
+        <p:spPr>
+          <a:xfrm>
+            <a:off x="363600" y="5658249"/>
+            <a:ext cx="4579455" cy="369332"/>
+          </a:xfrm>
+          <a:prstGeom prst="rect">
+            <a:avLst/>
+          </a:prstGeom>
+          <a:noFill/>
+        </p:spPr>
+        <p:txBody>
+          <a:bodyPr wrap="square" rtlCol="0">
+            <a:spAutoFit/>
+          </a:bodyPr>
+          <a:lstStyle/>
+          <a:p>
+            <a:r>
+              <a:rPr lang="en-US" dirty="0">
+                <a:latin typeface="Segoe UI" panose="020B0502040204020203" pitchFamily="34" charset="0"/>
+                <a:cs typeface="Segoe UI" panose="020B0502040204020203" pitchFamily="34" charset="0"/>
+              </a:rPr>
+              <a:t>Using Variables</a:t>
+            </a:r>
+            <a:endParaRPr lang="en-IN" dirty="0">
+              <a:latin typeface="Segoe UI" panose="020B0502040204020203" pitchFamily="34" charset="0"/>
+              <a:cs typeface="Segoe UI" panose="020B0502040204020203" pitchFamily="34" charset="0"/>
+            </a:endParaRPr>
+          </a:p>
+        </p:txBody>
+      </p:sp>
+      <p:sp>
+        <p:nvSpPr>
+          <p:cNvPr id="42" name="TextBox 41">
+            <a:extLst>
+              <a:ext uri="{FF2B5EF4-FFF2-40B4-BE49-F238E27FC236}">
+                <a16:creationId xmlns:a16="http://schemas.microsoft.com/office/drawing/2014/main" id="{043E1307-0BAC-44C8-9189-171C24E5412D}"/>
+              </a:ext>
+            </a:extLst>
+          </p:cNvPr>
+          <p:cNvSpPr txBox="1"/>
+          <p:nvPr/>
+        </p:nvSpPr>
+        <p:spPr>
+          <a:xfrm>
+            <a:off x="370228" y="6287728"/>
+            <a:ext cx="4579455" cy="369332"/>
+          </a:xfrm>
+          <a:prstGeom prst="rect">
+            <a:avLst/>
+          </a:prstGeom>
+          <a:noFill/>
+        </p:spPr>
+        <p:txBody>
+          <a:bodyPr wrap="square" rtlCol="0">
+            <a:spAutoFit/>
+          </a:bodyPr>
+          <a:lstStyle/>
+          <a:p>
+            <a:r>
+              <a:rPr lang="en-US" dirty="0">
+                <a:latin typeface="Segoe UI" panose="020B0502040204020203" pitchFamily="34" charset="0"/>
+                <a:cs typeface="Segoe UI" panose="020B0502040204020203" pitchFamily="34" charset="0"/>
+              </a:rPr>
+              <a:t>Drill down Demo</a:t>
+            </a:r>
+            <a:endParaRPr lang="en-IN" dirty="0">
+              <a:latin typeface="Segoe UI" panose="020B0502040204020203" pitchFamily="34" charset="0"/>
+              <a:cs typeface="Segoe UI" panose="020B0502040204020203" pitchFamily="34" charset="0"/>
+            </a:endParaRPr>
+          </a:p>
+        </p:txBody>
+      </p:sp>
+      <p:sp>
+        <p:nvSpPr>
+          <p:cNvPr id="3" name="Rectangle 2">
+            <a:extLst>
+              <a:ext uri="{FF2B5EF4-FFF2-40B4-BE49-F238E27FC236}">
+                <a16:creationId xmlns:a16="http://schemas.microsoft.com/office/drawing/2014/main" id="{B10B1ED1-8187-4E71-ABBE-76DF78BD3AD3}"/>
+              </a:ext>
+            </a:extLst>
+          </p:cNvPr>
+          <p:cNvSpPr/>
+          <p:nvPr/>
+        </p:nvSpPr>
+        <p:spPr>
+          <a:xfrm>
+            <a:off x="5632174" y="781878"/>
+            <a:ext cx="6196222" cy="5764696"/>
+          </a:xfrm>
+          <a:prstGeom prst="rect">
+            <a:avLst/>
+          </a:prstGeom>
+          <a:noFill/>
+          <a:ln>
+            <a:noFill/>
+          </a:ln>
+        </p:spPr>
+        <p:style>
+          <a:lnRef idx="2">
+            <a:schemeClr val="accent1">
+              <a:shade val="50000"/>
+            </a:schemeClr>
+          </a:lnRef>
+          <a:fillRef idx="1">
+            <a:schemeClr val="accent1"/>
+          </a:fillRef>
+          <a:effectRef idx="0">
+            <a:schemeClr val="accent1"/>
+          </a:effectRef>
+          <a:fontRef idx="minor">
+            <a:schemeClr val="lt1"/>
+          </a:fontRef>
+        </p:style>
+        <p:txBody>
+          <a:bodyPr rtlCol="0" anchor="ctr"/>
+          <a:lstStyle/>
+          <a:p>
+            <a:pPr algn="ctr"/>
+            <a:r>
+              <a:rPr lang="en-US" sz="9600" b="1" dirty="0">
+                <a:solidFill>
+                  <a:schemeClr val="tx1"/>
+                </a:solidFill>
+                <a:latin typeface="Segoe UI" panose="020B0502040204020203" pitchFamily="34" charset="0"/>
+                <a:cs typeface="Segoe UI" panose="020B0502040204020203" pitchFamily="34" charset="0"/>
+              </a:rPr>
+              <a:t>Day 2</a:t>
+            </a:r>
+            <a:endParaRPr lang="en-IN" sz="9600" b="1" dirty="0">
+              <a:solidFill>
+                <a:schemeClr val="tx1"/>
+              </a:solidFill>
+              <a:latin typeface="Segoe UI" panose="020B0502040204020203" pitchFamily="34" charset="0"/>
+              <a:cs typeface="Segoe UI" panose="020B0502040204020203" pitchFamily="34" charset="0"/>
+            </a:endParaRPr>
+          </a:p>
+        </p:txBody>
+      </p:sp>
+    </p:spTree>
+    <p:extLst>
+      <p:ext uri="{BB962C8B-B14F-4D97-AF65-F5344CB8AC3E}">
+        <p14:creationId xmlns:p14="http://schemas.microsoft.com/office/powerpoint/2010/main" val="2342091697"/>
       </p:ext>
     </p:extLst>
   </p:cSld>
@@ -5538,7 +7532,7 @@
         </p:nvCxnSpPr>
         <p:spPr>
           <a:xfrm>
-            <a:off x="363604" y="1755912"/>
+            <a:off x="370228" y="1649895"/>
             <a:ext cx="4579455" cy="0"/>
           </a:xfrm>
           <a:prstGeom prst="line">
@@ -6341,6 +8335,1085 @@
         <p:spPr>
           <a:xfrm>
             <a:off x="5718314" y="879071"/>
+            <a:ext cx="6328740" cy="871713"/>
+          </a:xfrm>
+          <a:prstGeom prst="rect">
+            <a:avLst/>
+          </a:prstGeom>
+          <a:noFill/>
+        </p:spPr>
+        <p:txBody>
+          <a:bodyPr wrap="square" rtlCol="0">
+            <a:spAutoFit/>
+          </a:bodyPr>
+          <a:lstStyle/>
+          <a:p>
+            <a:pPr marL="285750" indent="-285750">
+              <a:lnSpc>
+                <a:spcPct val="150000"/>
+              </a:lnSpc>
+              <a:buFont typeface="Arial" panose="020B0604020202020204" pitchFamily="34" charset="0"/>
+              <a:buChar char="•"/>
+            </a:pPr>
+            <a:r>
+              <a:rPr lang="en-US" dirty="0">
+                <a:latin typeface="Segoe UI" panose="020B0502040204020203" pitchFamily="34" charset="0"/>
+                <a:cs typeface="Segoe UI" panose="020B0502040204020203" pitchFamily="34" charset="0"/>
+              </a:rPr>
+              <a:t>Witnessing one of the greatest visualizations done by man</a:t>
+            </a:r>
+          </a:p>
+          <a:p>
+            <a:pPr>
+              <a:lnSpc>
+                <a:spcPct val="150000"/>
+              </a:lnSpc>
+            </a:pPr>
+            <a:r>
+              <a:rPr lang="en-US" dirty="0">
+                <a:latin typeface="Segoe UI" panose="020B0502040204020203" pitchFamily="34" charset="0"/>
+                <a:cs typeface="Segoe UI" panose="020B0502040204020203" pitchFamily="34" charset="0"/>
+              </a:rPr>
+              <a:t>     Open </a:t>
+            </a:r>
+            <a:r>
+              <a:rPr lang="en-US" dirty="0">
+                <a:latin typeface="Segoe UI" panose="020B0502040204020203" pitchFamily="34" charset="0"/>
+                <a:cs typeface="Segoe UI" panose="020B0502040204020203" pitchFamily="34" charset="0"/>
+                <a:hlinkClick r:id="rId3"/>
+              </a:rPr>
+              <a:t>here</a:t>
+            </a:r>
+            <a:endParaRPr lang="en-US" dirty="0">
+              <a:latin typeface="Segoe UI" panose="020B0502040204020203" pitchFamily="34" charset="0"/>
+              <a:cs typeface="Segoe UI" panose="020B0502040204020203" pitchFamily="34" charset="0"/>
+            </a:endParaRPr>
+          </a:p>
+        </p:txBody>
+      </p:sp>
+    </p:spTree>
+    <p:extLst>
+      <p:ext uri="{BB962C8B-B14F-4D97-AF65-F5344CB8AC3E}">
+        <p14:creationId xmlns:p14="http://schemas.microsoft.com/office/powerpoint/2010/main" val="2661188981"/>
+      </p:ext>
+    </p:extLst>
+  </p:cSld>
+  <p:clrMapOvr>
+    <a:masterClrMapping/>
+  </p:clrMapOvr>
+</p:sld>
+</file>
+
+<file path=ppt/slides/slide3.xml><?xml version="1.0" encoding="utf-8"?>
+<p:sld xmlns:a="http://schemas.openxmlformats.org/drawingml/2006/main" xmlns:r="http://schemas.openxmlformats.org/officeDocument/2006/relationships" xmlns:p="http://schemas.openxmlformats.org/presentationml/2006/main">
+  <p:cSld>
+    <p:spTree>
+      <p:nvGrpSpPr>
+        <p:cNvPr id="1" name=""/>
+        <p:cNvGrpSpPr/>
+        <p:nvPr/>
+      </p:nvGrpSpPr>
+      <p:grpSpPr>
+        <a:xfrm>
+          <a:off x="0" y="0"/>
+          <a:ext cx="0" cy="0"/>
+          <a:chOff x="0" y="0"/>
+          <a:chExt cx="0" cy="0"/>
+        </a:xfrm>
+      </p:grpSpPr>
+      <p:sp>
+        <p:nvSpPr>
+          <p:cNvPr id="4" name="Rectangle 3">
+            <a:extLst>
+              <a:ext uri="{FF2B5EF4-FFF2-40B4-BE49-F238E27FC236}">
+                <a16:creationId xmlns:a16="http://schemas.microsoft.com/office/drawing/2014/main" id="{1205B21C-D428-4470-83F2-13414BD0B8D7}"/>
+              </a:ext>
+            </a:extLst>
+          </p:cNvPr>
+          <p:cNvSpPr/>
+          <p:nvPr/>
+        </p:nvSpPr>
+        <p:spPr>
+          <a:xfrm>
+            <a:off x="0" y="0"/>
+            <a:ext cx="5168348" cy="6858000"/>
+          </a:xfrm>
+          <a:prstGeom prst="rect">
+            <a:avLst/>
+          </a:prstGeom>
+          <a:solidFill>
+            <a:srgbClr val="F2C811"/>
+          </a:solidFill>
+          <a:ln>
+            <a:noFill/>
+          </a:ln>
+        </p:spPr>
+        <p:style>
+          <a:lnRef idx="2">
+            <a:schemeClr val="accent1">
+              <a:shade val="50000"/>
+            </a:schemeClr>
+          </a:lnRef>
+          <a:fillRef idx="1">
+            <a:schemeClr val="accent1"/>
+          </a:fillRef>
+          <a:effectRef idx="0">
+            <a:schemeClr val="accent1"/>
+          </a:effectRef>
+          <a:fontRef idx="minor">
+            <a:schemeClr val="lt1"/>
+          </a:fontRef>
+        </p:style>
+        <p:txBody>
+          <a:bodyPr rtlCol="0" anchor="ctr"/>
+          <a:lstStyle/>
+          <a:p>
+            <a:pPr algn="ctr"/>
+            <a:endParaRPr lang="en-IN"/>
+          </a:p>
+        </p:txBody>
+      </p:sp>
+      <p:pic>
+        <p:nvPicPr>
+          <p:cNvPr id="6" name="Picture 5">
+            <a:extLst>
+              <a:ext uri="{FF2B5EF4-FFF2-40B4-BE49-F238E27FC236}">
+                <a16:creationId xmlns:a16="http://schemas.microsoft.com/office/drawing/2014/main" id="{1D4483AD-BCFC-47EE-AA76-31EEB3C4CBA5}"/>
+              </a:ext>
+            </a:extLst>
+          </p:cNvPr>
+          <p:cNvPicPr>
+            <a:picLocks noChangeAspect="1"/>
+          </p:cNvPicPr>
+          <p:nvPr/>
+        </p:nvPicPr>
+        <p:blipFill>
+          <a:blip r:embed="rId2">
+            <a:extLst>
+              <a:ext uri="{28A0092B-C50C-407E-A947-70E740481C1C}">
+                <a14:useLocalDpi xmlns:a14="http://schemas.microsoft.com/office/drawing/2010/main" val="0"/>
+              </a:ext>
+            </a:extLst>
+          </a:blip>
+          <a:stretch>
+            <a:fillRect/>
+          </a:stretch>
+        </p:blipFill>
+        <p:spPr>
+          <a:xfrm>
+            <a:off x="144946" y="113472"/>
+            <a:ext cx="795958" cy="795958"/>
+          </a:xfrm>
+          <a:prstGeom prst="rect">
+            <a:avLst/>
+          </a:prstGeom>
+        </p:spPr>
+      </p:pic>
+      <p:sp>
+        <p:nvSpPr>
+          <p:cNvPr id="11" name="TextBox 10">
+            <a:extLst>
+              <a:ext uri="{FF2B5EF4-FFF2-40B4-BE49-F238E27FC236}">
+                <a16:creationId xmlns:a16="http://schemas.microsoft.com/office/drawing/2014/main" id="{E00F6200-F731-4832-A8F1-E5934CEF9604}"/>
+              </a:ext>
+            </a:extLst>
+          </p:cNvPr>
+          <p:cNvSpPr txBox="1"/>
+          <p:nvPr/>
+        </p:nvSpPr>
+        <p:spPr>
+          <a:xfrm>
+            <a:off x="702366" y="232740"/>
+            <a:ext cx="4359964" cy="646331"/>
+          </a:xfrm>
+          <a:prstGeom prst="rect">
+            <a:avLst/>
+          </a:prstGeom>
+          <a:noFill/>
+        </p:spPr>
+        <p:txBody>
+          <a:bodyPr wrap="square" rtlCol="0">
+            <a:spAutoFit/>
+          </a:bodyPr>
+          <a:lstStyle/>
+          <a:p>
+            <a:pPr algn="ctr"/>
+            <a:r>
+              <a:rPr lang="en-US" sz="3600" dirty="0">
+                <a:latin typeface="Segoe UI" panose="020B0502040204020203" pitchFamily="34" charset="0"/>
+                <a:cs typeface="Segoe UI" panose="020B0502040204020203" pitchFamily="34" charset="0"/>
+              </a:rPr>
+              <a:t>Power BI Basics</a:t>
+            </a:r>
+            <a:endParaRPr lang="en-IN" sz="3600" dirty="0">
+              <a:latin typeface="Segoe UI" panose="020B0502040204020203" pitchFamily="34" charset="0"/>
+              <a:cs typeface="Segoe UI" panose="020B0502040204020203" pitchFamily="34" charset="0"/>
+            </a:endParaRPr>
+          </a:p>
+        </p:txBody>
+      </p:sp>
+      <p:cxnSp>
+        <p:nvCxnSpPr>
+          <p:cNvPr id="23" name="Straight Connector 22">
+            <a:extLst>
+              <a:ext uri="{FF2B5EF4-FFF2-40B4-BE49-F238E27FC236}">
+                <a16:creationId xmlns:a16="http://schemas.microsoft.com/office/drawing/2014/main" id="{87046D73-9373-4531-8F5A-62CAFA3C6F06}"/>
+              </a:ext>
+            </a:extLst>
+          </p:cNvPr>
+          <p:cNvCxnSpPr>
+            <a:cxnSpLocks/>
+          </p:cNvCxnSpPr>
+          <p:nvPr/>
+        </p:nvCxnSpPr>
+        <p:spPr>
+          <a:xfrm>
+            <a:off x="363604" y="1126433"/>
+            <a:ext cx="4579455" cy="0"/>
+          </a:xfrm>
+          <a:prstGeom prst="line">
+            <a:avLst/>
+          </a:prstGeom>
+          <a:ln>
+            <a:solidFill>
+              <a:srgbClr val="CFAA0B"/>
+            </a:solidFill>
+          </a:ln>
+        </p:spPr>
+        <p:style>
+          <a:lnRef idx="1">
+            <a:schemeClr val="accent2"/>
+          </a:lnRef>
+          <a:fillRef idx="0">
+            <a:schemeClr val="accent2"/>
+          </a:fillRef>
+          <a:effectRef idx="0">
+            <a:schemeClr val="accent2"/>
+          </a:effectRef>
+          <a:fontRef idx="minor">
+            <a:schemeClr val="tx1"/>
+          </a:fontRef>
+        </p:style>
+      </p:cxnSp>
+      <p:cxnSp>
+        <p:nvCxnSpPr>
+          <p:cNvPr id="26" name="Straight Connector 25">
+            <a:extLst>
+              <a:ext uri="{FF2B5EF4-FFF2-40B4-BE49-F238E27FC236}">
+                <a16:creationId xmlns:a16="http://schemas.microsoft.com/office/drawing/2014/main" id="{83537F96-AB97-4338-A7A4-862F42510DBF}"/>
+              </a:ext>
+            </a:extLst>
+          </p:cNvPr>
+          <p:cNvCxnSpPr>
+            <a:cxnSpLocks/>
+          </p:cNvCxnSpPr>
+          <p:nvPr/>
+        </p:nvCxnSpPr>
+        <p:spPr>
+          <a:xfrm>
+            <a:off x="363604" y="1755912"/>
+            <a:ext cx="4579455" cy="0"/>
+          </a:xfrm>
+          <a:prstGeom prst="line">
+            <a:avLst/>
+          </a:prstGeom>
+          <a:ln>
+            <a:solidFill>
+              <a:srgbClr val="CFAA0B"/>
+            </a:solidFill>
+          </a:ln>
+        </p:spPr>
+        <p:style>
+          <a:lnRef idx="1">
+            <a:schemeClr val="accent2"/>
+          </a:lnRef>
+          <a:fillRef idx="0">
+            <a:schemeClr val="accent2"/>
+          </a:fillRef>
+          <a:effectRef idx="0">
+            <a:schemeClr val="accent2"/>
+          </a:effectRef>
+          <a:fontRef idx="minor">
+            <a:schemeClr val="tx1"/>
+          </a:fontRef>
+        </p:style>
+      </p:cxnSp>
+      <p:cxnSp>
+        <p:nvCxnSpPr>
+          <p:cNvPr id="27" name="Straight Connector 26">
+            <a:extLst>
+              <a:ext uri="{FF2B5EF4-FFF2-40B4-BE49-F238E27FC236}">
+                <a16:creationId xmlns:a16="http://schemas.microsoft.com/office/drawing/2014/main" id="{55D1FE7D-3990-4E7B-A552-4A1615D6002F}"/>
+              </a:ext>
+            </a:extLst>
+          </p:cNvPr>
+          <p:cNvCxnSpPr>
+            <a:cxnSpLocks/>
+          </p:cNvCxnSpPr>
+          <p:nvPr/>
+        </p:nvCxnSpPr>
+        <p:spPr>
+          <a:xfrm>
+            <a:off x="363604" y="3014870"/>
+            <a:ext cx="4579455" cy="0"/>
+          </a:xfrm>
+          <a:prstGeom prst="line">
+            <a:avLst/>
+          </a:prstGeom>
+          <a:ln>
+            <a:solidFill>
+              <a:srgbClr val="CFAA0B"/>
+            </a:solidFill>
+          </a:ln>
+        </p:spPr>
+        <p:style>
+          <a:lnRef idx="1">
+            <a:schemeClr val="accent2"/>
+          </a:lnRef>
+          <a:fillRef idx="0">
+            <a:schemeClr val="accent2"/>
+          </a:fillRef>
+          <a:effectRef idx="0">
+            <a:schemeClr val="accent2"/>
+          </a:effectRef>
+          <a:fontRef idx="minor">
+            <a:schemeClr val="tx1"/>
+          </a:fontRef>
+        </p:style>
+      </p:cxnSp>
+      <p:cxnSp>
+        <p:nvCxnSpPr>
+          <p:cNvPr id="28" name="Straight Connector 27">
+            <a:extLst>
+              <a:ext uri="{FF2B5EF4-FFF2-40B4-BE49-F238E27FC236}">
+                <a16:creationId xmlns:a16="http://schemas.microsoft.com/office/drawing/2014/main" id="{F0DE1491-A554-46C6-909E-5D0DC28A19D7}"/>
+              </a:ext>
+            </a:extLst>
+          </p:cNvPr>
+          <p:cNvCxnSpPr>
+            <a:cxnSpLocks/>
+          </p:cNvCxnSpPr>
+          <p:nvPr/>
+        </p:nvCxnSpPr>
+        <p:spPr>
+          <a:xfrm>
+            <a:off x="363604" y="2385391"/>
+            <a:ext cx="4579455" cy="0"/>
+          </a:xfrm>
+          <a:prstGeom prst="line">
+            <a:avLst/>
+          </a:prstGeom>
+          <a:ln>
+            <a:solidFill>
+              <a:srgbClr val="CFAA0B"/>
+            </a:solidFill>
+          </a:ln>
+        </p:spPr>
+        <p:style>
+          <a:lnRef idx="1">
+            <a:schemeClr val="accent2"/>
+          </a:lnRef>
+          <a:fillRef idx="0">
+            <a:schemeClr val="accent2"/>
+          </a:fillRef>
+          <a:effectRef idx="0">
+            <a:schemeClr val="accent2"/>
+          </a:effectRef>
+          <a:fontRef idx="minor">
+            <a:schemeClr val="tx1"/>
+          </a:fontRef>
+        </p:style>
+      </p:cxnSp>
+      <p:cxnSp>
+        <p:nvCxnSpPr>
+          <p:cNvPr id="29" name="Straight Connector 28">
+            <a:extLst>
+              <a:ext uri="{FF2B5EF4-FFF2-40B4-BE49-F238E27FC236}">
+                <a16:creationId xmlns:a16="http://schemas.microsoft.com/office/drawing/2014/main" id="{7EF590CB-6513-4ACF-95EE-22FA3AC2F9A6}"/>
+              </a:ext>
+            </a:extLst>
+          </p:cNvPr>
+          <p:cNvCxnSpPr>
+            <a:cxnSpLocks/>
+          </p:cNvCxnSpPr>
+          <p:nvPr/>
+        </p:nvCxnSpPr>
+        <p:spPr>
+          <a:xfrm>
+            <a:off x="363604" y="4273828"/>
+            <a:ext cx="4579455" cy="0"/>
+          </a:xfrm>
+          <a:prstGeom prst="line">
+            <a:avLst/>
+          </a:prstGeom>
+          <a:ln>
+            <a:solidFill>
+              <a:srgbClr val="CFAA0B"/>
+            </a:solidFill>
+          </a:ln>
+        </p:spPr>
+        <p:style>
+          <a:lnRef idx="1">
+            <a:schemeClr val="accent2"/>
+          </a:lnRef>
+          <a:fillRef idx="0">
+            <a:schemeClr val="accent2"/>
+          </a:fillRef>
+          <a:effectRef idx="0">
+            <a:schemeClr val="accent2"/>
+          </a:effectRef>
+          <a:fontRef idx="minor">
+            <a:schemeClr val="tx1"/>
+          </a:fontRef>
+        </p:style>
+      </p:cxnSp>
+      <p:cxnSp>
+        <p:nvCxnSpPr>
+          <p:cNvPr id="30" name="Straight Connector 29">
+            <a:extLst>
+              <a:ext uri="{FF2B5EF4-FFF2-40B4-BE49-F238E27FC236}">
+                <a16:creationId xmlns:a16="http://schemas.microsoft.com/office/drawing/2014/main" id="{2197002C-80C6-4219-930E-BA7C1FE50004}"/>
+              </a:ext>
+            </a:extLst>
+          </p:cNvPr>
+          <p:cNvCxnSpPr>
+            <a:cxnSpLocks/>
+          </p:cNvCxnSpPr>
+          <p:nvPr/>
+        </p:nvCxnSpPr>
+        <p:spPr>
+          <a:xfrm>
+            <a:off x="363604" y="3644349"/>
+            <a:ext cx="4579455" cy="0"/>
+          </a:xfrm>
+          <a:prstGeom prst="line">
+            <a:avLst/>
+          </a:prstGeom>
+          <a:ln>
+            <a:solidFill>
+              <a:srgbClr val="CFAA0B"/>
+            </a:solidFill>
+          </a:ln>
+        </p:spPr>
+        <p:style>
+          <a:lnRef idx="1">
+            <a:schemeClr val="accent2"/>
+          </a:lnRef>
+          <a:fillRef idx="0">
+            <a:schemeClr val="accent2"/>
+          </a:fillRef>
+          <a:effectRef idx="0">
+            <a:schemeClr val="accent2"/>
+          </a:effectRef>
+          <a:fontRef idx="minor">
+            <a:schemeClr val="tx1"/>
+          </a:fontRef>
+        </p:style>
+      </p:cxnSp>
+      <p:cxnSp>
+        <p:nvCxnSpPr>
+          <p:cNvPr id="31" name="Straight Connector 30">
+            <a:extLst>
+              <a:ext uri="{FF2B5EF4-FFF2-40B4-BE49-F238E27FC236}">
+                <a16:creationId xmlns:a16="http://schemas.microsoft.com/office/drawing/2014/main" id="{D0E51131-DC48-4E8B-BBFA-F4F28AE57E41}"/>
+              </a:ext>
+            </a:extLst>
+          </p:cNvPr>
+          <p:cNvCxnSpPr>
+            <a:cxnSpLocks/>
+          </p:cNvCxnSpPr>
+          <p:nvPr/>
+        </p:nvCxnSpPr>
+        <p:spPr>
+          <a:xfrm>
+            <a:off x="363604" y="4903307"/>
+            <a:ext cx="4579455" cy="0"/>
+          </a:xfrm>
+          <a:prstGeom prst="line">
+            <a:avLst/>
+          </a:prstGeom>
+          <a:ln>
+            <a:solidFill>
+              <a:srgbClr val="CFAA0B"/>
+            </a:solidFill>
+          </a:ln>
+        </p:spPr>
+        <p:style>
+          <a:lnRef idx="1">
+            <a:schemeClr val="accent2"/>
+          </a:lnRef>
+          <a:fillRef idx="0">
+            <a:schemeClr val="accent2"/>
+          </a:fillRef>
+          <a:effectRef idx="0">
+            <a:schemeClr val="accent2"/>
+          </a:effectRef>
+          <a:fontRef idx="minor">
+            <a:schemeClr val="tx1"/>
+          </a:fontRef>
+        </p:style>
+      </p:cxnSp>
+      <p:cxnSp>
+        <p:nvCxnSpPr>
+          <p:cNvPr id="32" name="Straight Connector 31">
+            <a:extLst>
+              <a:ext uri="{FF2B5EF4-FFF2-40B4-BE49-F238E27FC236}">
+                <a16:creationId xmlns:a16="http://schemas.microsoft.com/office/drawing/2014/main" id="{F6E373C9-C861-47EF-879B-B100097D06D1}"/>
+              </a:ext>
+            </a:extLst>
+          </p:cNvPr>
+          <p:cNvCxnSpPr>
+            <a:cxnSpLocks/>
+          </p:cNvCxnSpPr>
+          <p:nvPr/>
+        </p:nvCxnSpPr>
+        <p:spPr>
+          <a:xfrm>
+            <a:off x="363604" y="5532786"/>
+            <a:ext cx="4579455" cy="0"/>
+          </a:xfrm>
+          <a:prstGeom prst="line">
+            <a:avLst/>
+          </a:prstGeom>
+          <a:ln>
+            <a:solidFill>
+              <a:srgbClr val="CFAA0B"/>
+            </a:solidFill>
+          </a:ln>
+        </p:spPr>
+        <p:style>
+          <a:lnRef idx="1">
+            <a:schemeClr val="accent2"/>
+          </a:lnRef>
+          <a:fillRef idx="0">
+            <a:schemeClr val="accent2"/>
+          </a:fillRef>
+          <a:effectRef idx="0">
+            <a:schemeClr val="accent2"/>
+          </a:effectRef>
+          <a:fontRef idx="minor">
+            <a:schemeClr val="tx1"/>
+          </a:fontRef>
+        </p:style>
+      </p:cxnSp>
+      <p:cxnSp>
+        <p:nvCxnSpPr>
+          <p:cNvPr id="33" name="Straight Connector 32">
+            <a:extLst>
+              <a:ext uri="{FF2B5EF4-FFF2-40B4-BE49-F238E27FC236}">
+                <a16:creationId xmlns:a16="http://schemas.microsoft.com/office/drawing/2014/main" id="{C6183B74-DA75-45D5-ADB6-64BE5D0CCDCF}"/>
+              </a:ext>
+            </a:extLst>
+          </p:cNvPr>
+          <p:cNvCxnSpPr>
+            <a:cxnSpLocks/>
+          </p:cNvCxnSpPr>
+          <p:nvPr/>
+        </p:nvCxnSpPr>
+        <p:spPr>
+          <a:xfrm>
+            <a:off x="363604" y="6162262"/>
+            <a:ext cx="4579455" cy="0"/>
+          </a:xfrm>
+          <a:prstGeom prst="line">
+            <a:avLst/>
+          </a:prstGeom>
+          <a:ln>
+            <a:solidFill>
+              <a:srgbClr val="CFAA0B"/>
+            </a:solidFill>
+          </a:ln>
+        </p:spPr>
+        <p:style>
+          <a:lnRef idx="1">
+            <a:schemeClr val="accent2"/>
+          </a:lnRef>
+          <a:fillRef idx="0">
+            <a:schemeClr val="accent2"/>
+          </a:fillRef>
+          <a:effectRef idx="0">
+            <a:schemeClr val="accent2"/>
+          </a:effectRef>
+          <a:fontRef idx="minor">
+            <a:schemeClr val="tx1"/>
+          </a:fontRef>
+        </p:style>
+      </p:cxnSp>
+      <p:sp>
+        <p:nvSpPr>
+          <p:cNvPr id="35" name="TextBox 34">
+            <a:extLst>
+              <a:ext uri="{FF2B5EF4-FFF2-40B4-BE49-F238E27FC236}">
+                <a16:creationId xmlns:a16="http://schemas.microsoft.com/office/drawing/2014/main" id="{F7EBC9CE-E468-41CA-8555-7B4D481A1382}"/>
+              </a:ext>
+            </a:extLst>
+          </p:cNvPr>
+          <p:cNvSpPr txBox="1"/>
+          <p:nvPr/>
+        </p:nvSpPr>
+        <p:spPr>
+          <a:xfrm>
+            <a:off x="363604" y="1887424"/>
+            <a:ext cx="4579455" cy="369332"/>
+          </a:xfrm>
+          <a:prstGeom prst="rect">
+            <a:avLst/>
+          </a:prstGeom>
+          <a:noFill/>
+        </p:spPr>
+        <p:txBody>
+          <a:bodyPr wrap="square" rtlCol="0">
+            <a:spAutoFit/>
+          </a:bodyPr>
+          <a:lstStyle/>
+          <a:p>
+            <a:pPr algn="ctr"/>
+            <a:r>
+              <a:rPr lang="en-US" dirty="0">
+                <a:solidFill>
+                  <a:srgbClr val="CFAA0B"/>
+                </a:solidFill>
+                <a:latin typeface="Segoe UI" panose="020B0502040204020203" pitchFamily="34" charset="0"/>
+                <a:cs typeface="Segoe UI" panose="020B0502040204020203" pitchFamily="34" charset="0"/>
+              </a:rPr>
+              <a:t>Stages of a Data Visualization Project</a:t>
+            </a:r>
+            <a:endParaRPr lang="en-IN" dirty="0">
+              <a:solidFill>
+                <a:srgbClr val="CFAA0B"/>
+              </a:solidFill>
+              <a:latin typeface="Segoe UI" panose="020B0502040204020203" pitchFamily="34" charset="0"/>
+              <a:cs typeface="Segoe UI" panose="020B0502040204020203" pitchFamily="34" charset="0"/>
+            </a:endParaRPr>
+          </a:p>
+        </p:txBody>
+      </p:sp>
+      <p:sp>
+        <p:nvSpPr>
+          <p:cNvPr id="36" name="TextBox 35">
+            <a:extLst>
+              <a:ext uri="{FF2B5EF4-FFF2-40B4-BE49-F238E27FC236}">
+                <a16:creationId xmlns:a16="http://schemas.microsoft.com/office/drawing/2014/main" id="{DA4535CD-82F1-4D1B-825E-B70B71508AA7}"/>
+              </a:ext>
+            </a:extLst>
+          </p:cNvPr>
+          <p:cNvSpPr txBox="1"/>
+          <p:nvPr/>
+        </p:nvSpPr>
+        <p:spPr>
+          <a:xfrm>
+            <a:off x="363603" y="2515895"/>
+            <a:ext cx="4579455" cy="369332"/>
+          </a:xfrm>
+          <a:prstGeom prst="rect">
+            <a:avLst/>
+          </a:prstGeom>
+          <a:noFill/>
+        </p:spPr>
+        <p:txBody>
+          <a:bodyPr wrap="square" rtlCol="0">
+            <a:spAutoFit/>
+          </a:bodyPr>
+          <a:lstStyle/>
+          <a:p>
+            <a:pPr algn="ctr"/>
+            <a:r>
+              <a:rPr lang="en-US" dirty="0">
+                <a:solidFill>
+                  <a:srgbClr val="CFAA0B"/>
+                </a:solidFill>
+                <a:latin typeface="Segoe UI" panose="020B0502040204020203" pitchFamily="34" charset="0"/>
+                <a:cs typeface="Segoe UI" panose="020B0502040204020203" pitchFamily="34" charset="0"/>
+              </a:rPr>
+              <a:t>Power BI features which make it awesome!</a:t>
+            </a:r>
+            <a:endParaRPr lang="en-IN" dirty="0">
+              <a:solidFill>
+                <a:srgbClr val="CFAA0B"/>
+              </a:solidFill>
+              <a:latin typeface="Segoe UI" panose="020B0502040204020203" pitchFamily="34" charset="0"/>
+              <a:cs typeface="Segoe UI" panose="020B0502040204020203" pitchFamily="34" charset="0"/>
+            </a:endParaRPr>
+          </a:p>
+        </p:txBody>
+      </p:sp>
+      <p:sp>
+        <p:nvSpPr>
+          <p:cNvPr id="37" name="TextBox 36">
+            <a:extLst>
+              <a:ext uri="{FF2B5EF4-FFF2-40B4-BE49-F238E27FC236}">
+                <a16:creationId xmlns:a16="http://schemas.microsoft.com/office/drawing/2014/main" id="{4786B659-F45C-4033-BAF4-87C028313ECB}"/>
+              </a:ext>
+            </a:extLst>
+          </p:cNvPr>
+          <p:cNvSpPr txBox="1"/>
+          <p:nvPr/>
+        </p:nvSpPr>
+        <p:spPr>
+          <a:xfrm>
+            <a:off x="363602" y="3144366"/>
+            <a:ext cx="4579455" cy="369332"/>
+          </a:xfrm>
+          <a:prstGeom prst="rect">
+            <a:avLst/>
+          </a:prstGeom>
+          <a:noFill/>
+        </p:spPr>
+        <p:txBody>
+          <a:bodyPr wrap="square" rtlCol="0">
+            <a:spAutoFit/>
+          </a:bodyPr>
+          <a:lstStyle/>
+          <a:p>
+            <a:pPr algn="ctr"/>
+            <a:r>
+              <a:rPr lang="en-US" dirty="0">
+                <a:solidFill>
+                  <a:srgbClr val="CFAA0B"/>
+                </a:solidFill>
+                <a:latin typeface="Segoe UI" panose="020B0502040204020203" pitchFamily="34" charset="0"/>
+                <a:cs typeface="Segoe UI" panose="020B0502040204020203" pitchFamily="34" charset="0"/>
+              </a:rPr>
+              <a:t>Use Case Discussion</a:t>
+            </a:r>
+            <a:endParaRPr lang="en-IN" dirty="0">
+              <a:solidFill>
+                <a:srgbClr val="CFAA0B"/>
+              </a:solidFill>
+              <a:latin typeface="Segoe UI" panose="020B0502040204020203" pitchFamily="34" charset="0"/>
+              <a:cs typeface="Segoe UI" panose="020B0502040204020203" pitchFamily="34" charset="0"/>
+            </a:endParaRPr>
+          </a:p>
+        </p:txBody>
+      </p:sp>
+      <p:sp>
+        <p:nvSpPr>
+          <p:cNvPr id="38" name="TextBox 37">
+            <a:extLst>
+              <a:ext uri="{FF2B5EF4-FFF2-40B4-BE49-F238E27FC236}">
+                <a16:creationId xmlns:a16="http://schemas.microsoft.com/office/drawing/2014/main" id="{DB17B961-C99F-40F8-ACA1-6D008AB81FB9}"/>
+              </a:ext>
+            </a:extLst>
+          </p:cNvPr>
+          <p:cNvSpPr txBox="1"/>
+          <p:nvPr/>
+        </p:nvSpPr>
+        <p:spPr>
+          <a:xfrm>
+            <a:off x="363602" y="3772837"/>
+            <a:ext cx="4579455" cy="369332"/>
+          </a:xfrm>
+          <a:prstGeom prst="rect">
+            <a:avLst/>
+          </a:prstGeom>
+          <a:noFill/>
+        </p:spPr>
+        <p:txBody>
+          <a:bodyPr wrap="square" rtlCol="0">
+            <a:spAutoFit/>
+          </a:bodyPr>
+          <a:lstStyle/>
+          <a:p>
+            <a:pPr algn="ctr"/>
+            <a:r>
+              <a:rPr lang="en-US" dirty="0">
+                <a:solidFill>
+                  <a:srgbClr val="CFAA0B"/>
+                </a:solidFill>
+                <a:latin typeface="Segoe UI" panose="020B0502040204020203" pitchFamily="34" charset="0"/>
+                <a:cs typeface="Segoe UI" panose="020B0502040204020203" pitchFamily="34" charset="0"/>
+              </a:rPr>
+              <a:t>Wireframe Development</a:t>
+            </a:r>
+            <a:endParaRPr lang="en-IN" dirty="0">
+              <a:solidFill>
+                <a:srgbClr val="CFAA0B"/>
+              </a:solidFill>
+              <a:latin typeface="Segoe UI" panose="020B0502040204020203" pitchFamily="34" charset="0"/>
+              <a:cs typeface="Segoe UI" panose="020B0502040204020203" pitchFamily="34" charset="0"/>
+            </a:endParaRPr>
+          </a:p>
+        </p:txBody>
+      </p:sp>
+      <p:sp>
+        <p:nvSpPr>
+          <p:cNvPr id="39" name="TextBox 38">
+            <a:extLst>
+              <a:ext uri="{FF2B5EF4-FFF2-40B4-BE49-F238E27FC236}">
+                <a16:creationId xmlns:a16="http://schemas.microsoft.com/office/drawing/2014/main" id="{7170E773-01B5-4B1B-B638-D98E510B4FD0}"/>
+              </a:ext>
+            </a:extLst>
+          </p:cNvPr>
+          <p:cNvSpPr txBox="1"/>
+          <p:nvPr/>
+        </p:nvSpPr>
+        <p:spPr>
+          <a:xfrm>
+            <a:off x="363602" y="4401308"/>
+            <a:ext cx="4579455" cy="369332"/>
+          </a:xfrm>
+          <a:prstGeom prst="rect">
+            <a:avLst/>
+          </a:prstGeom>
+          <a:noFill/>
+        </p:spPr>
+        <p:txBody>
+          <a:bodyPr wrap="square" rtlCol="0">
+            <a:spAutoFit/>
+          </a:bodyPr>
+          <a:lstStyle/>
+          <a:p>
+            <a:pPr algn="ctr"/>
+            <a:r>
+              <a:rPr lang="en-US" dirty="0">
+                <a:solidFill>
+                  <a:srgbClr val="CFAA0B"/>
+                </a:solidFill>
+                <a:latin typeface="Segoe UI" panose="020B0502040204020203" pitchFamily="34" charset="0"/>
+                <a:cs typeface="Segoe UI" panose="020B0502040204020203" pitchFamily="34" charset="0"/>
+              </a:rPr>
+              <a:t>Data Import &amp; Clean Up</a:t>
+            </a:r>
+            <a:endParaRPr lang="en-IN" dirty="0">
+              <a:solidFill>
+                <a:srgbClr val="CFAA0B"/>
+              </a:solidFill>
+              <a:latin typeface="Segoe UI" panose="020B0502040204020203" pitchFamily="34" charset="0"/>
+              <a:cs typeface="Segoe UI" panose="020B0502040204020203" pitchFamily="34" charset="0"/>
+            </a:endParaRPr>
+          </a:p>
+        </p:txBody>
+      </p:sp>
+      <p:sp>
+        <p:nvSpPr>
+          <p:cNvPr id="40" name="TextBox 39">
+            <a:extLst>
+              <a:ext uri="{FF2B5EF4-FFF2-40B4-BE49-F238E27FC236}">
+                <a16:creationId xmlns:a16="http://schemas.microsoft.com/office/drawing/2014/main" id="{75524CF4-09D4-4713-9530-79A9C6E2EC65}"/>
+              </a:ext>
+            </a:extLst>
+          </p:cNvPr>
+          <p:cNvSpPr txBox="1"/>
+          <p:nvPr/>
+        </p:nvSpPr>
+        <p:spPr>
+          <a:xfrm>
+            <a:off x="363601" y="5029779"/>
+            <a:ext cx="4579455" cy="369332"/>
+          </a:xfrm>
+          <a:prstGeom prst="rect">
+            <a:avLst/>
+          </a:prstGeom>
+          <a:noFill/>
+        </p:spPr>
+        <p:txBody>
+          <a:bodyPr wrap="square" rtlCol="0">
+            <a:spAutoFit/>
+          </a:bodyPr>
+          <a:lstStyle/>
+          <a:p>
+            <a:pPr algn="ctr"/>
+            <a:r>
+              <a:rPr lang="en-US" dirty="0">
+                <a:solidFill>
+                  <a:srgbClr val="CFAA0B"/>
+                </a:solidFill>
+                <a:latin typeface="Segoe UI" panose="020B0502040204020203" pitchFamily="34" charset="0"/>
+                <a:cs typeface="Segoe UI" panose="020B0502040204020203" pitchFamily="34" charset="0"/>
+              </a:rPr>
+              <a:t>Data Pre-processing</a:t>
+            </a:r>
+            <a:endParaRPr lang="en-IN" dirty="0">
+              <a:solidFill>
+                <a:srgbClr val="CFAA0B"/>
+              </a:solidFill>
+              <a:latin typeface="Segoe UI" panose="020B0502040204020203" pitchFamily="34" charset="0"/>
+              <a:cs typeface="Segoe UI" panose="020B0502040204020203" pitchFamily="34" charset="0"/>
+            </a:endParaRPr>
+          </a:p>
+        </p:txBody>
+      </p:sp>
+      <p:sp>
+        <p:nvSpPr>
+          <p:cNvPr id="41" name="TextBox 40">
+            <a:extLst>
+              <a:ext uri="{FF2B5EF4-FFF2-40B4-BE49-F238E27FC236}">
+                <a16:creationId xmlns:a16="http://schemas.microsoft.com/office/drawing/2014/main" id="{E667F9D8-D2B5-4E8F-82A6-CB341A9A9BFF}"/>
+              </a:ext>
+            </a:extLst>
+          </p:cNvPr>
+          <p:cNvSpPr txBox="1"/>
+          <p:nvPr/>
+        </p:nvSpPr>
+        <p:spPr>
+          <a:xfrm>
+            <a:off x="363600" y="5658249"/>
+            <a:ext cx="4579455" cy="369332"/>
+          </a:xfrm>
+          <a:prstGeom prst="rect">
+            <a:avLst/>
+          </a:prstGeom>
+          <a:noFill/>
+        </p:spPr>
+        <p:txBody>
+          <a:bodyPr wrap="square" rtlCol="0">
+            <a:spAutoFit/>
+          </a:bodyPr>
+          <a:lstStyle/>
+          <a:p>
+            <a:pPr algn="ctr"/>
+            <a:r>
+              <a:rPr lang="en-US" dirty="0">
+                <a:solidFill>
+                  <a:srgbClr val="CFAA0B"/>
+                </a:solidFill>
+                <a:latin typeface="Segoe UI" panose="020B0502040204020203" pitchFamily="34" charset="0"/>
+                <a:cs typeface="Segoe UI" panose="020B0502040204020203" pitchFamily="34" charset="0"/>
+              </a:rPr>
+              <a:t>Building First Dashboard</a:t>
+            </a:r>
+            <a:endParaRPr lang="en-IN" dirty="0">
+              <a:solidFill>
+                <a:srgbClr val="CFAA0B"/>
+              </a:solidFill>
+              <a:latin typeface="Segoe UI" panose="020B0502040204020203" pitchFamily="34" charset="0"/>
+              <a:cs typeface="Segoe UI" panose="020B0502040204020203" pitchFamily="34" charset="0"/>
+            </a:endParaRPr>
+          </a:p>
+        </p:txBody>
+      </p:sp>
+      <p:sp>
+        <p:nvSpPr>
+          <p:cNvPr id="42" name="TextBox 41">
+            <a:extLst>
+              <a:ext uri="{FF2B5EF4-FFF2-40B4-BE49-F238E27FC236}">
+                <a16:creationId xmlns:a16="http://schemas.microsoft.com/office/drawing/2014/main" id="{043E1307-0BAC-44C8-9189-171C24E5412D}"/>
+              </a:ext>
+            </a:extLst>
+          </p:cNvPr>
+          <p:cNvSpPr txBox="1"/>
+          <p:nvPr/>
+        </p:nvSpPr>
+        <p:spPr>
+          <a:xfrm>
+            <a:off x="370228" y="6287728"/>
+            <a:ext cx="4579455" cy="369332"/>
+          </a:xfrm>
+          <a:prstGeom prst="rect">
+            <a:avLst/>
+          </a:prstGeom>
+          <a:noFill/>
+        </p:spPr>
+        <p:txBody>
+          <a:bodyPr wrap="square" rtlCol="0">
+            <a:spAutoFit/>
+          </a:bodyPr>
+          <a:lstStyle/>
+          <a:p>
+            <a:pPr algn="ctr"/>
+            <a:r>
+              <a:rPr lang="en-US" dirty="0">
+                <a:solidFill>
+                  <a:srgbClr val="CFAA0B"/>
+                </a:solidFill>
+                <a:latin typeface="Segoe UI" panose="020B0502040204020203" pitchFamily="34" charset="0"/>
+                <a:cs typeface="Segoe UI" panose="020B0502040204020203" pitchFamily="34" charset="0"/>
+              </a:rPr>
+              <a:t>Publishing Dashboard</a:t>
+            </a:r>
+            <a:endParaRPr lang="en-IN" dirty="0">
+              <a:solidFill>
+                <a:srgbClr val="CFAA0B"/>
+              </a:solidFill>
+              <a:latin typeface="Segoe UI" panose="020B0502040204020203" pitchFamily="34" charset="0"/>
+              <a:cs typeface="Segoe UI" panose="020B0502040204020203" pitchFamily="34" charset="0"/>
+            </a:endParaRPr>
+          </a:p>
+        </p:txBody>
+      </p:sp>
+      <p:sp>
+        <p:nvSpPr>
+          <p:cNvPr id="50" name="Arrow: Right 49">
+            <a:extLst>
+              <a:ext uri="{FF2B5EF4-FFF2-40B4-BE49-F238E27FC236}">
+                <a16:creationId xmlns:a16="http://schemas.microsoft.com/office/drawing/2014/main" id="{A4DF59CC-A313-407D-903D-611433C6D86E}"/>
+              </a:ext>
+            </a:extLst>
+          </p:cNvPr>
+          <p:cNvSpPr/>
+          <p:nvPr/>
+        </p:nvSpPr>
+        <p:spPr>
+          <a:xfrm>
+            <a:off x="1358350" y="884724"/>
+            <a:ext cx="4359964" cy="1116392"/>
+          </a:xfrm>
+          <a:prstGeom prst="rightArrow">
+            <a:avLst/>
+          </a:prstGeom>
+          <a:solidFill>
+            <a:srgbClr val="F2C811"/>
+          </a:solidFill>
+          <a:ln>
+            <a:noFill/>
+          </a:ln>
+        </p:spPr>
+        <p:style>
+          <a:lnRef idx="2">
+            <a:schemeClr val="accent1">
+              <a:shade val="50000"/>
+            </a:schemeClr>
+          </a:lnRef>
+          <a:fillRef idx="1">
+            <a:schemeClr val="accent1"/>
+          </a:fillRef>
+          <a:effectRef idx="0">
+            <a:schemeClr val="accent1"/>
+          </a:effectRef>
+          <a:fontRef idx="minor">
+            <a:schemeClr val="lt1"/>
+          </a:fontRef>
+        </p:style>
+        <p:txBody>
+          <a:bodyPr rtlCol="0" anchor="ctr"/>
+          <a:lstStyle/>
+          <a:p>
+            <a:pPr algn="r"/>
+            <a:r>
+              <a:rPr lang="en-US" dirty="0">
+                <a:solidFill>
+                  <a:schemeClr val="tx1"/>
+                </a:solidFill>
+                <a:latin typeface="Segoe UI" panose="020B0502040204020203" pitchFamily="34" charset="0"/>
+                <a:cs typeface="Segoe UI" panose="020B0502040204020203" pitchFamily="34" charset="0"/>
+              </a:rPr>
+              <a:t>What &amp; Why of Data Visualization?</a:t>
+            </a:r>
+            <a:endParaRPr lang="en-IN" dirty="0">
+              <a:solidFill>
+                <a:schemeClr val="tx1"/>
+              </a:solidFill>
+              <a:latin typeface="Segoe UI" panose="020B0502040204020203" pitchFamily="34" charset="0"/>
+              <a:cs typeface="Segoe UI" panose="020B0502040204020203" pitchFamily="34" charset="0"/>
+            </a:endParaRPr>
+          </a:p>
+        </p:txBody>
+      </p:sp>
+      <p:sp>
+        <p:nvSpPr>
+          <p:cNvPr id="53" name="TextBox 52">
+            <a:extLst>
+              <a:ext uri="{FF2B5EF4-FFF2-40B4-BE49-F238E27FC236}">
+                <a16:creationId xmlns:a16="http://schemas.microsoft.com/office/drawing/2014/main" id="{539581AD-50F3-41B6-B82E-222AD811A10A}"/>
+              </a:ext>
+            </a:extLst>
+          </p:cNvPr>
+          <p:cNvSpPr txBox="1"/>
+          <p:nvPr/>
+        </p:nvSpPr>
+        <p:spPr>
+          <a:xfrm>
+            <a:off x="5718314" y="879071"/>
             <a:ext cx="6328740" cy="5026697"/>
           </a:xfrm>
           <a:prstGeom prst="rect">
@@ -6570,7 +9643,7 @@
 </p:sld>
 </file>
 
-<file path=ppt/slides/slide3.xml><?xml version="1.0" encoding="utf-8"?>
+<file path=ppt/slides/slide4.xml><?xml version="1.0" encoding="utf-8"?>
 <p:sld xmlns:a="http://schemas.openxmlformats.org/drawingml/2006/main" xmlns:r="http://schemas.openxmlformats.org/officeDocument/2006/relationships" xmlns:p="http://schemas.openxmlformats.org/presentationml/2006/main">
   <p:cSld>
     <p:spTree>
@@ -9602,7 +12675,7 @@
 </p:sld>
 </file>
 
-<file path=ppt/slides/slide4.xml><?xml version="1.0" encoding="utf-8"?>
+<file path=ppt/slides/slide5.xml><?xml version="1.0" encoding="utf-8"?>
 <p:sld xmlns:a="http://schemas.openxmlformats.org/drawingml/2006/main" xmlns:r="http://schemas.openxmlformats.org/officeDocument/2006/relationships" xmlns:p="http://schemas.openxmlformats.org/presentationml/2006/main">
   <p:cSld>
     <p:spTree>
@@ -10807,7 +13880,7 @@
 </p:sld>
 </file>
 
-<file path=ppt/slides/slide5.xml><?xml version="1.0" encoding="utf-8"?>
+<file path=ppt/slides/slide6.xml><?xml version="1.0" encoding="utf-8"?>
 <p:sld xmlns:a="http://schemas.openxmlformats.org/drawingml/2006/main" xmlns:r="http://schemas.openxmlformats.org/officeDocument/2006/relationships" xmlns:p="http://schemas.openxmlformats.org/presentationml/2006/main">
   <p:cSld>
     <p:spTree>
@@ -13023,1006 +16096,6 @@
 </p:sld>
 </file>
 
-<file path=ppt/slides/slide6.xml><?xml version="1.0" encoding="utf-8"?>
-<p:sld xmlns:a="http://schemas.openxmlformats.org/drawingml/2006/main" xmlns:r="http://schemas.openxmlformats.org/officeDocument/2006/relationships" xmlns:p="http://schemas.openxmlformats.org/presentationml/2006/main">
-  <p:cSld>
-    <p:spTree>
-      <p:nvGrpSpPr>
-        <p:cNvPr id="1" name=""/>
-        <p:cNvGrpSpPr/>
-        <p:nvPr/>
-      </p:nvGrpSpPr>
-      <p:grpSpPr>
-        <a:xfrm>
-          <a:off x="0" y="0"/>
-          <a:ext cx="0" cy="0"/>
-          <a:chOff x="0" y="0"/>
-          <a:chExt cx="0" cy="0"/>
-        </a:xfrm>
-      </p:grpSpPr>
-      <p:sp>
-        <p:nvSpPr>
-          <p:cNvPr id="4" name="Rectangle 3">
-            <a:extLst>
-              <a:ext uri="{FF2B5EF4-FFF2-40B4-BE49-F238E27FC236}">
-                <a16:creationId xmlns:a16="http://schemas.microsoft.com/office/drawing/2014/main" id="{1205B21C-D428-4470-83F2-13414BD0B8D7}"/>
-              </a:ext>
-            </a:extLst>
-          </p:cNvPr>
-          <p:cNvSpPr/>
-          <p:nvPr/>
-        </p:nvSpPr>
-        <p:spPr>
-          <a:xfrm>
-            <a:off x="0" y="0"/>
-            <a:ext cx="5168348" cy="6858000"/>
-          </a:xfrm>
-          <a:prstGeom prst="rect">
-            <a:avLst/>
-          </a:prstGeom>
-          <a:solidFill>
-            <a:srgbClr val="F2C811"/>
-          </a:solidFill>
-          <a:ln>
-            <a:noFill/>
-          </a:ln>
-        </p:spPr>
-        <p:style>
-          <a:lnRef idx="2">
-            <a:schemeClr val="accent1">
-              <a:shade val="50000"/>
-            </a:schemeClr>
-          </a:lnRef>
-          <a:fillRef idx="1">
-            <a:schemeClr val="accent1"/>
-          </a:fillRef>
-          <a:effectRef idx="0">
-            <a:schemeClr val="accent1"/>
-          </a:effectRef>
-          <a:fontRef idx="minor">
-            <a:schemeClr val="lt1"/>
-          </a:fontRef>
-        </p:style>
-        <p:txBody>
-          <a:bodyPr rtlCol="0" anchor="ctr"/>
-          <a:lstStyle/>
-          <a:p>
-            <a:pPr algn="ctr"/>
-            <a:endParaRPr lang="en-IN"/>
-          </a:p>
-        </p:txBody>
-      </p:sp>
-      <p:pic>
-        <p:nvPicPr>
-          <p:cNvPr id="6" name="Picture 5">
-            <a:extLst>
-              <a:ext uri="{FF2B5EF4-FFF2-40B4-BE49-F238E27FC236}">
-                <a16:creationId xmlns:a16="http://schemas.microsoft.com/office/drawing/2014/main" id="{1D4483AD-BCFC-47EE-AA76-31EEB3C4CBA5}"/>
-              </a:ext>
-            </a:extLst>
-          </p:cNvPr>
-          <p:cNvPicPr>
-            <a:picLocks noChangeAspect="1"/>
-          </p:cNvPicPr>
-          <p:nvPr/>
-        </p:nvPicPr>
-        <p:blipFill>
-          <a:blip r:embed="rId2">
-            <a:extLst>
-              <a:ext uri="{28A0092B-C50C-407E-A947-70E740481C1C}">
-                <a14:useLocalDpi xmlns:a14="http://schemas.microsoft.com/office/drawing/2010/main" val="0"/>
-              </a:ext>
-            </a:extLst>
-          </a:blip>
-          <a:stretch>
-            <a:fillRect/>
-          </a:stretch>
-        </p:blipFill>
-        <p:spPr>
-          <a:xfrm>
-            <a:off x="144946" y="113472"/>
-            <a:ext cx="795958" cy="795958"/>
-          </a:xfrm>
-          <a:prstGeom prst="rect">
-            <a:avLst/>
-          </a:prstGeom>
-        </p:spPr>
-      </p:pic>
-      <p:sp>
-        <p:nvSpPr>
-          <p:cNvPr id="11" name="TextBox 10">
-            <a:extLst>
-              <a:ext uri="{FF2B5EF4-FFF2-40B4-BE49-F238E27FC236}">
-                <a16:creationId xmlns:a16="http://schemas.microsoft.com/office/drawing/2014/main" id="{E00F6200-F731-4832-A8F1-E5934CEF9604}"/>
-              </a:ext>
-            </a:extLst>
-          </p:cNvPr>
-          <p:cNvSpPr txBox="1"/>
-          <p:nvPr/>
-        </p:nvSpPr>
-        <p:spPr>
-          <a:xfrm>
-            <a:off x="702366" y="232740"/>
-            <a:ext cx="4359964" cy="646331"/>
-          </a:xfrm>
-          <a:prstGeom prst="rect">
-            <a:avLst/>
-          </a:prstGeom>
-          <a:noFill/>
-        </p:spPr>
-        <p:txBody>
-          <a:bodyPr wrap="square" rtlCol="0">
-            <a:spAutoFit/>
-          </a:bodyPr>
-          <a:lstStyle/>
-          <a:p>
-            <a:pPr algn="ctr"/>
-            <a:r>
-              <a:rPr lang="en-US" sz="3600" dirty="0">
-                <a:latin typeface="Segoe UI" panose="020B0502040204020203" pitchFamily="34" charset="0"/>
-                <a:cs typeface="Segoe UI" panose="020B0502040204020203" pitchFamily="34" charset="0"/>
-              </a:rPr>
-              <a:t>Power BI Basics</a:t>
-            </a:r>
-            <a:endParaRPr lang="en-IN" sz="3600" dirty="0">
-              <a:latin typeface="Segoe UI" panose="020B0502040204020203" pitchFamily="34" charset="0"/>
-              <a:cs typeface="Segoe UI" panose="020B0502040204020203" pitchFamily="34" charset="0"/>
-            </a:endParaRPr>
-          </a:p>
-        </p:txBody>
-      </p:sp>
-      <p:cxnSp>
-        <p:nvCxnSpPr>
-          <p:cNvPr id="23" name="Straight Connector 22">
-            <a:extLst>
-              <a:ext uri="{FF2B5EF4-FFF2-40B4-BE49-F238E27FC236}">
-                <a16:creationId xmlns:a16="http://schemas.microsoft.com/office/drawing/2014/main" id="{87046D73-9373-4531-8F5A-62CAFA3C6F06}"/>
-              </a:ext>
-            </a:extLst>
-          </p:cNvPr>
-          <p:cNvCxnSpPr>
-            <a:cxnSpLocks/>
-          </p:cNvCxnSpPr>
-          <p:nvPr/>
-        </p:nvCxnSpPr>
-        <p:spPr>
-          <a:xfrm>
-            <a:off x="363604" y="1126433"/>
-            <a:ext cx="4579455" cy="0"/>
-          </a:xfrm>
-          <a:prstGeom prst="line">
-            <a:avLst/>
-          </a:prstGeom>
-          <a:ln>
-            <a:solidFill>
-              <a:srgbClr val="CFAA0B"/>
-            </a:solidFill>
-          </a:ln>
-        </p:spPr>
-        <p:style>
-          <a:lnRef idx="1">
-            <a:schemeClr val="accent2"/>
-          </a:lnRef>
-          <a:fillRef idx="0">
-            <a:schemeClr val="accent2"/>
-          </a:fillRef>
-          <a:effectRef idx="0">
-            <a:schemeClr val="accent2"/>
-          </a:effectRef>
-          <a:fontRef idx="minor">
-            <a:schemeClr val="tx1"/>
-          </a:fontRef>
-        </p:style>
-      </p:cxnSp>
-      <p:cxnSp>
-        <p:nvCxnSpPr>
-          <p:cNvPr id="26" name="Straight Connector 25">
-            <a:extLst>
-              <a:ext uri="{FF2B5EF4-FFF2-40B4-BE49-F238E27FC236}">
-                <a16:creationId xmlns:a16="http://schemas.microsoft.com/office/drawing/2014/main" id="{83537F96-AB97-4338-A7A4-862F42510DBF}"/>
-              </a:ext>
-            </a:extLst>
-          </p:cNvPr>
-          <p:cNvCxnSpPr>
-            <a:cxnSpLocks/>
-          </p:cNvCxnSpPr>
-          <p:nvPr/>
-        </p:nvCxnSpPr>
-        <p:spPr>
-          <a:xfrm>
-            <a:off x="363604" y="1755912"/>
-            <a:ext cx="4579455" cy="0"/>
-          </a:xfrm>
-          <a:prstGeom prst="line">
-            <a:avLst/>
-          </a:prstGeom>
-          <a:ln>
-            <a:solidFill>
-              <a:srgbClr val="CFAA0B"/>
-            </a:solidFill>
-          </a:ln>
-        </p:spPr>
-        <p:style>
-          <a:lnRef idx="1">
-            <a:schemeClr val="accent2"/>
-          </a:lnRef>
-          <a:fillRef idx="0">
-            <a:schemeClr val="accent2"/>
-          </a:fillRef>
-          <a:effectRef idx="0">
-            <a:schemeClr val="accent2"/>
-          </a:effectRef>
-          <a:fontRef idx="minor">
-            <a:schemeClr val="tx1"/>
-          </a:fontRef>
-        </p:style>
-      </p:cxnSp>
-      <p:cxnSp>
-        <p:nvCxnSpPr>
-          <p:cNvPr id="27" name="Straight Connector 26">
-            <a:extLst>
-              <a:ext uri="{FF2B5EF4-FFF2-40B4-BE49-F238E27FC236}">
-                <a16:creationId xmlns:a16="http://schemas.microsoft.com/office/drawing/2014/main" id="{55D1FE7D-3990-4E7B-A552-4A1615D6002F}"/>
-              </a:ext>
-            </a:extLst>
-          </p:cNvPr>
-          <p:cNvCxnSpPr>
-            <a:cxnSpLocks/>
-          </p:cNvCxnSpPr>
-          <p:nvPr/>
-        </p:nvCxnSpPr>
-        <p:spPr>
-          <a:xfrm>
-            <a:off x="363604" y="3014870"/>
-            <a:ext cx="4579455" cy="0"/>
-          </a:xfrm>
-          <a:prstGeom prst="line">
-            <a:avLst/>
-          </a:prstGeom>
-          <a:ln>
-            <a:solidFill>
-              <a:srgbClr val="CFAA0B"/>
-            </a:solidFill>
-          </a:ln>
-        </p:spPr>
-        <p:style>
-          <a:lnRef idx="1">
-            <a:schemeClr val="accent2"/>
-          </a:lnRef>
-          <a:fillRef idx="0">
-            <a:schemeClr val="accent2"/>
-          </a:fillRef>
-          <a:effectRef idx="0">
-            <a:schemeClr val="accent2"/>
-          </a:effectRef>
-          <a:fontRef idx="minor">
-            <a:schemeClr val="tx1"/>
-          </a:fontRef>
-        </p:style>
-      </p:cxnSp>
-      <p:cxnSp>
-        <p:nvCxnSpPr>
-          <p:cNvPr id="28" name="Straight Connector 27">
-            <a:extLst>
-              <a:ext uri="{FF2B5EF4-FFF2-40B4-BE49-F238E27FC236}">
-                <a16:creationId xmlns:a16="http://schemas.microsoft.com/office/drawing/2014/main" id="{F0DE1491-A554-46C6-909E-5D0DC28A19D7}"/>
-              </a:ext>
-            </a:extLst>
-          </p:cNvPr>
-          <p:cNvCxnSpPr>
-            <a:cxnSpLocks/>
-          </p:cNvCxnSpPr>
-          <p:nvPr/>
-        </p:nvCxnSpPr>
-        <p:spPr>
-          <a:xfrm>
-            <a:off x="363604" y="2385391"/>
-            <a:ext cx="4579455" cy="0"/>
-          </a:xfrm>
-          <a:prstGeom prst="line">
-            <a:avLst/>
-          </a:prstGeom>
-          <a:ln>
-            <a:solidFill>
-              <a:srgbClr val="CFAA0B"/>
-            </a:solidFill>
-          </a:ln>
-        </p:spPr>
-        <p:style>
-          <a:lnRef idx="1">
-            <a:schemeClr val="accent2"/>
-          </a:lnRef>
-          <a:fillRef idx="0">
-            <a:schemeClr val="accent2"/>
-          </a:fillRef>
-          <a:effectRef idx="0">
-            <a:schemeClr val="accent2"/>
-          </a:effectRef>
-          <a:fontRef idx="minor">
-            <a:schemeClr val="tx1"/>
-          </a:fontRef>
-        </p:style>
-      </p:cxnSp>
-      <p:cxnSp>
-        <p:nvCxnSpPr>
-          <p:cNvPr id="29" name="Straight Connector 28">
-            <a:extLst>
-              <a:ext uri="{FF2B5EF4-FFF2-40B4-BE49-F238E27FC236}">
-                <a16:creationId xmlns:a16="http://schemas.microsoft.com/office/drawing/2014/main" id="{7EF590CB-6513-4ACF-95EE-22FA3AC2F9A6}"/>
-              </a:ext>
-            </a:extLst>
-          </p:cNvPr>
-          <p:cNvCxnSpPr>
-            <a:cxnSpLocks/>
-          </p:cNvCxnSpPr>
-          <p:nvPr/>
-        </p:nvCxnSpPr>
-        <p:spPr>
-          <a:xfrm>
-            <a:off x="363604" y="4273828"/>
-            <a:ext cx="4579455" cy="0"/>
-          </a:xfrm>
-          <a:prstGeom prst="line">
-            <a:avLst/>
-          </a:prstGeom>
-          <a:ln>
-            <a:solidFill>
-              <a:srgbClr val="CFAA0B"/>
-            </a:solidFill>
-          </a:ln>
-        </p:spPr>
-        <p:style>
-          <a:lnRef idx="1">
-            <a:schemeClr val="accent2"/>
-          </a:lnRef>
-          <a:fillRef idx="0">
-            <a:schemeClr val="accent2"/>
-          </a:fillRef>
-          <a:effectRef idx="0">
-            <a:schemeClr val="accent2"/>
-          </a:effectRef>
-          <a:fontRef idx="minor">
-            <a:schemeClr val="tx1"/>
-          </a:fontRef>
-        </p:style>
-      </p:cxnSp>
-      <p:cxnSp>
-        <p:nvCxnSpPr>
-          <p:cNvPr id="30" name="Straight Connector 29">
-            <a:extLst>
-              <a:ext uri="{FF2B5EF4-FFF2-40B4-BE49-F238E27FC236}">
-                <a16:creationId xmlns:a16="http://schemas.microsoft.com/office/drawing/2014/main" id="{2197002C-80C6-4219-930E-BA7C1FE50004}"/>
-              </a:ext>
-            </a:extLst>
-          </p:cNvPr>
-          <p:cNvCxnSpPr>
-            <a:cxnSpLocks/>
-          </p:cNvCxnSpPr>
-          <p:nvPr/>
-        </p:nvCxnSpPr>
-        <p:spPr>
-          <a:xfrm>
-            <a:off x="363604" y="3644349"/>
-            <a:ext cx="4579455" cy="0"/>
-          </a:xfrm>
-          <a:prstGeom prst="line">
-            <a:avLst/>
-          </a:prstGeom>
-          <a:ln>
-            <a:solidFill>
-              <a:srgbClr val="CFAA0B"/>
-            </a:solidFill>
-          </a:ln>
-        </p:spPr>
-        <p:style>
-          <a:lnRef idx="1">
-            <a:schemeClr val="accent2"/>
-          </a:lnRef>
-          <a:fillRef idx="0">
-            <a:schemeClr val="accent2"/>
-          </a:fillRef>
-          <a:effectRef idx="0">
-            <a:schemeClr val="accent2"/>
-          </a:effectRef>
-          <a:fontRef idx="minor">
-            <a:schemeClr val="tx1"/>
-          </a:fontRef>
-        </p:style>
-      </p:cxnSp>
-      <p:cxnSp>
-        <p:nvCxnSpPr>
-          <p:cNvPr id="31" name="Straight Connector 30">
-            <a:extLst>
-              <a:ext uri="{FF2B5EF4-FFF2-40B4-BE49-F238E27FC236}">
-                <a16:creationId xmlns:a16="http://schemas.microsoft.com/office/drawing/2014/main" id="{D0E51131-DC48-4E8B-BBFA-F4F28AE57E41}"/>
-              </a:ext>
-            </a:extLst>
-          </p:cNvPr>
-          <p:cNvCxnSpPr>
-            <a:cxnSpLocks/>
-          </p:cNvCxnSpPr>
-          <p:nvPr/>
-        </p:nvCxnSpPr>
-        <p:spPr>
-          <a:xfrm>
-            <a:off x="363604" y="4903307"/>
-            <a:ext cx="4579455" cy="0"/>
-          </a:xfrm>
-          <a:prstGeom prst="line">
-            <a:avLst/>
-          </a:prstGeom>
-          <a:ln>
-            <a:solidFill>
-              <a:srgbClr val="CFAA0B"/>
-            </a:solidFill>
-          </a:ln>
-        </p:spPr>
-        <p:style>
-          <a:lnRef idx="1">
-            <a:schemeClr val="accent2"/>
-          </a:lnRef>
-          <a:fillRef idx="0">
-            <a:schemeClr val="accent2"/>
-          </a:fillRef>
-          <a:effectRef idx="0">
-            <a:schemeClr val="accent2"/>
-          </a:effectRef>
-          <a:fontRef idx="minor">
-            <a:schemeClr val="tx1"/>
-          </a:fontRef>
-        </p:style>
-      </p:cxnSp>
-      <p:cxnSp>
-        <p:nvCxnSpPr>
-          <p:cNvPr id="32" name="Straight Connector 31">
-            <a:extLst>
-              <a:ext uri="{FF2B5EF4-FFF2-40B4-BE49-F238E27FC236}">
-                <a16:creationId xmlns:a16="http://schemas.microsoft.com/office/drawing/2014/main" id="{F6E373C9-C861-47EF-879B-B100097D06D1}"/>
-              </a:ext>
-            </a:extLst>
-          </p:cNvPr>
-          <p:cNvCxnSpPr>
-            <a:cxnSpLocks/>
-          </p:cNvCxnSpPr>
-          <p:nvPr/>
-        </p:nvCxnSpPr>
-        <p:spPr>
-          <a:xfrm>
-            <a:off x="363604" y="5532786"/>
-            <a:ext cx="4579455" cy="0"/>
-          </a:xfrm>
-          <a:prstGeom prst="line">
-            <a:avLst/>
-          </a:prstGeom>
-          <a:ln>
-            <a:solidFill>
-              <a:srgbClr val="CFAA0B"/>
-            </a:solidFill>
-          </a:ln>
-        </p:spPr>
-        <p:style>
-          <a:lnRef idx="1">
-            <a:schemeClr val="accent2"/>
-          </a:lnRef>
-          <a:fillRef idx="0">
-            <a:schemeClr val="accent2"/>
-          </a:fillRef>
-          <a:effectRef idx="0">
-            <a:schemeClr val="accent2"/>
-          </a:effectRef>
-          <a:fontRef idx="minor">
-            <a:schemeClr val="tx1"/>
-          </a:fontRef>
-        </p:style>
-      </p:cxnSp>
-      <p:cxnSp>
-        <p:nvCxnSpPr>
-          <p:cNvPr id="33" name="Straight Connector 32">
-            <a:extLst>
-              <a:ext uri="{FF2B5EF4-FFF2-40B4-BE49-F238E27FC236}">
-                <a16:creationId xmlns:a16="http://schemas.microsoft.com/office/drawing/2014/main" id="{C6183B74-DA75-45D5-ADB6-64BE5D0CCDCF}"/>
-              </a:ext>
-            </a:extLst>
-          </p:cNvPr>
-          <p:cNvCxnSpPr>
-            <a:cxnSpLocks/>
-          </p:cNvCxnSpPr>
-          <p:nvPr/>
-        </p:nvCxnSpPr>
-        <p:spPr>
-          <a:xfrm>
-            <a:off x="363604" y="6162262"/>
-            <a:ext cx="4579455" cy="0"/>
-          </a:xfrm>
-          <a:prstGeom prst="line">
-            <a:avLst/>
-          </a:prstGeom>
-          <a:ln>
-            <a:solidFill>
-              <a:srgbClr val="CFAA0B"/>
-            </a:solidFill>
-          </a:ln>
-        </p:spPr>
-        <p:style>
-          <a:lnRef idx="1">
-            <a:schemeClr val="accent2"/>
-          </a:lnRef>
-          <a:fillRef idx="0">
-            <a:schemeClr val="accent2"/>
-          </a:fillRef>
-          <a:effectRef idx="0">
-            <a:schemeClr val="accent2"/>
-          </a:effectRef>
-          <a:fontRef idx="minor">
-            <a:schemeClr val="tx1"/>
-          </a:fontRef>
-        </p:style>
-      </p:cxnSp>
-      <p:sp>
-        <p:nvSpPr>
-          <p:cNvPr id="34" name="TextBox 33">
-            <a:extLst>
-              <a:ext uri="{FF2B5EF4-FFF2-40B4-BE49-F238E27FC236}">
-                <a16:creationId xmlns:a16="http://schemas.microsoft.com/office/drawing/2014/main" id="{8E14D00D-2B41-46D4-B0ED-C7DEC7AD9B80}"/>
-              </a:ext>
-            </a:extLst>
-          </p:cNvPr>
-          <p:cNvSpPr txBox="1"/>
-          <p:nvPr/>
-        </p:nvSpPr>
-        <p:spPr>
-          <a:xfrm>
-            <a:off x="363604" y="1258953"/>
-            <a:ext cx="4579455" cy="369332"/>
-          </a:xfrm>
-          <a:prstGeom prst="rect">
-            <a:avLst/>
-          </a:prstGeom>
-          <a:noFill/>
-        </p:spPr>
-        <p:txBody>
-          <a:bodyPr wrap="square" rtlCol="0">
-            <a:spAutoFit/>
-          </a:bodyPr>
-          <a:lstStyle/>
-          <a:p>
-            <a:r>
-              <a:rPr lang="en-US" dirty="0">
-                <a:solidFill>
-                  <a:srgbClr val="B6950A"/>
-                </a:solidFill>
-                <a:latin typeface="Segoe UI" panose="020B0502040204020203" pitchFamily="34" charset="0"/>
-                <a:cs typeface="Segoe UI" panose="020B0502040204020203" pitchFamily="34" charset="0"/>
-              </a:rPr>
-              <a:t>What &amp; Why of Data Visualization?</a:t>
-            </a:r>
-            <a:endParaRPr lang="en-IN" dirty="0">
-              <a:solidFill>
-                <a:srgbClr val="B6950A"/>
-              </a:solidFill>
-              <a:latin typeface="Segoe UI" panose="020B0502040204020203" pitchFamily="34" charset="0"/>
-              <a:cs typeface="Segoe UI" panose="020B0502040204020203" pitchFamily="34" charset="0"/>
-            </a:endParaRPr>
-          </a:p>
-        </p:txBody>
-      </p:sp>
-      <p:sp>
-        <p:nvSpPr>
-          <p:cNvPr id="35" name="TextBox 34">
-            <a:extLst>
-              <a:ext uri="{FF2B5EF4-FFF2-40B4-BE49-F238E27FC236}">
-                <a16:creationId xmlns:a16="http://schemas.microsoft.com/office/drawing/2014/main" id="{F7EBC9CE-E468-41CA-8555-7B4D481A1382}"/>
-              </a:ext>
-            </a:extLst>
-          </p:cNvPr>
-          <p:cNvSpPr txBox="1"/>
-          <p:nvPr/>
-        </p:nvSpPr>
-        <p:spPr>
-          <a:xfrm>
-            <a:off x="363604" y="1887424"/>
-            <a:ext cx="4579455" cy="369332"/>
-          </a:xfrm>
-          <a:prstGeom prst="rect">
-            <a:avLst/>
-          </a:prstGeom>
-          <a:noFill/>
-        </p:spPr>
-        <p:txBody>
-          <a:bodyPr wrap="square" rtlCol="0">
-            <a:spAutoFit/>
-          </a:bodyPr>
-          <a:lstStyle/>
-          <a:p>
-            <a:r>
-              <a:rPr lang="en-US" dirty="0">
-                <a:solidFill>
-                  <a:srgbClr val="B6950A"/>
-                </a:solidFill>
-                <a:latin typeface="Segoe UI" panose="020B0502040204020203" pitchFamily="34" charset="0"/>
-                <a:cs typeface="Segoe UI" panose="020B0502040204020203" pitchFamily="34" charset="0"/>
-              </a:rPr>
-              <a:t>Stages of a Data Visualization Project</a:t>
-            </a:r>
-            <a:endParaRPr lang="en-IN" dirty="0">
-              <a:solidFill>
-                <a:srgbClr val="B6950A"/>
-              </a:solidFill>
-              <a:latin typeface="Segoe UI" panose="020B0502040204020203" pitchFamily="34" charset="0"/>
-              <a:cs typeface="Segoe UI" panose="020B0502040204020203" pitchFamily="34" charset="0"/>
-            </a:endParaRPr>
-          </a:p>
-        </p:txBody>
-      </p:sp>
-      <p:sp>
-        <p:nvSpPr>
-          <p:cNvPr id="36" name="TextBox 35">
-            <a:extLst>
-              <a:ext uri="{FF2B5EF4-FFF2-40B4-BE49-F238E27FC236}">
-                <a16:creationId xmlns:a16="http://schemas.microsoft.com/office/drawing/2014/main" id="{DA4535CD-82F1-4D1B-825E-B70B71508AA7}"/>
-              </a:ext>
-            </a:extLst>
-          </p:cNvPr>
-          <p:cNvSpPr txBox="1"/>
-          <p:nvPr/>
-        </p:nvSpPr>
-        <p:spPr>
-          <a:xfrm>
-            <a:off x="363603" y="2515895"/>
-            <a:ext cx="4579455" cy="369332"/>
-          </a:xfrm>
-          <a:prstGeom prst="rect">
-            <a:avLst/>
-          </a:prstGeom>
-          <a:noFill/>
-        </p:spPr>
-        <p:txBody>
-          <a:bodyPr wrap="square" rtlCol="0">
-            <a:spAutoFit/>
-          </a:bodyPr>
-          <a:lstStyle/>
-          <a:p>
-            <a:r>
-              <a:rPr lang="en-US" dirty="0">
-                <a:solidFill>
-                  <a:srgbClr val="B6950A"/>
-                </a:solidFill>
-                <a:latin typeface="Segoe UI" panose="020B0502040204020203" pitchFamily="34" charset="0"/>
-                <a:cs typeface="Segoe UI" panose="020B0502040204020203" pitchFamily="34" charset="0"/>
-              </a:rPr>
-              <a:t>Power BI features which make it awesome!</a:t>
-            </a:r>
-            <a:endParaRPr lang="en-IN" dirty="0">
-              <a:solidFill>
-                <a:srgbClr val="B6950A"/>
-              </a:solidFill>
-              <a:latin typeface="Segoe UI" panose="020B0502040204020203" pitchFamily="34" charset="0"/>
-              <a:cs typeface="Segoe UI" panose="020B0502040204020203" pitchFamily="34" charset="0"/>
-            </a:endParaRPr>
-          </a:p>
-        </p:txBody>
-      </p:sp>
-      <p:sp>
-        <p:nvSpPr>
-          <p:cNvPr id="37" name="TextBox 36">
-            <a:extLst>
-              <a:ext uri="{FF2B5EF4-FFF2-40B4-BE49-F238E27FC236}">
-                <a16:creationId xmlns:a16="http://schemas.microsoft.com/office/drawing/2014/main" id="{4786B659-F45C-4033-BAF4-87C028313ECB}"/>
-              </a:ext>
-            </a:extLst>
-          </p:cNvPr>
-          <p:cNvSpPr txBox="1"/>
-          <p:nvPr/>
-        </p:nvSpPr>
-        <p:spPr>
-          <a:xfrm>
-            <a:off x="363602" y="3144366"/>
-            <a:ext cx="4579455" cy="369332"/>
-          </a:xfrm>
-          <a:prstGeom prst="rect">
-            <a:avLst/>
-          </a:prstGeom>
-          <a:noFill/>
-        </p:spPr>
-        <p:txBody>
-          <a:bodyPr wrap="square" rtlCol="0">
-            <a:spAutoFit/>
-          </a:bodyPr>
-          <a:lstStyle/>
-          <a:p>
-            <a:r>
-              <a:rPr lang="en-US" dirty="0">
-                <a:solidFill>
-                  <a:srgbClr val="B6950A"/>
-                </a:solidFill>
-                <a:latin typeface="Segoe UI" panose="020B0502040204020203" pitchFamily="34" charset="0"/>
-                <a:cs typeface="Segoe UI" panose="020B0502040204020203" pitchFamily="34" charset="0"/>
-              </a:rPr>
-              <a:t>Use Case Discussion</a:t>
-            </a:r>
-            <a:endParaRPr lang="en-IN" dirty="0">
-              <a:solidFill>
-                <a:srgbClr val="B6950A"/>
-              </a:solidFill>
-              <a:latin typeface="Segoe UI" panose="020B0502040204020203" pitchFamily="34" charset="0"/>
-              <a:cs typeface="Segoe UI" panose="020B0502040204020203" pitchFamily="34" charset="0"/>
-            </a:endParaRPr>
-          </a:p>
-        </p:txBody>
-      </p:sp>
-      <p:sp>
-        <p:nvSpPr>
-          <p:cNvPr id="39" name="TextBox 38">
-            <a:extLst>
-              <a:ext uri="{FF2B5EF4-FFF2-40B4-BE49-F238E27FC236}">
-                <a16:creationId xmlns:a16="http://schemas.microsoft.com/office/drawing/2014/main" id="{7170E773-01B5-4B1B-B638-D98E510B4FD0}"/>
-              </a:ext>
-            </a:extLst>
-          </p:cNvPr>
-          <p:cNvSpPr txBox="1"/>
-          <p:nvPr/>
-        </p:nvSpPr>
-        <p:spPr>
-          <a:xfrm>
-            <a:off x="363602" y="4401308"/>
-            <a:ext cx="4579455" cy="369332"/>
-          </a:xfrm>
-          <a:prstGeom prst="rect">
-            <a:avLst/>
-          </a:prstGeom>
-          <a:noFill/>
-        </p:spPr>
-        <p:txBody>
-          <a:bodyPr wrap="square" rtlCol="0">
-            <a:spAutoFit/>
-          </a:bodyPr>
-          <a:lstStyle/>
-          <a:p>
-            <a:r>
-              <a:rPr lang="en-US" dirty="0">
-                <a:solidFill>
-                  <a:srgbClr val="B6950A"/>
-                </a:solidFill>
-                <a:latin typeface="Segoe UI" panose="020B0502040204020203" pitchFamily="34" charset="0"/>
-                <a:cs typeface="Segoe UI" panose="020B0502040204020203" pitchFamily="34" charset="0"/>
-              </a:rPr>
-              <a:t>Data Import &amp; Clean Up</a:t>
-            </a:r>
-            <a:endParaRPr lang="en-IN" dirty="0">
-              <a:solidFill>
-                <a:srgbClr val="B6950A"/>
-              </a:solidFill>
-              <a:latin typeface="Segoe UI" panose="020B0502040204020203" pitchFamily="34" charset="0"/>
-              <a:cs typeface="Segoe UI" panose="020B0502040204020203" pitchFamily="34" charset="0"/>
-            </a:endParaRPr>
-          </a:p>
-        </p:txBody>
-      </p:sp>
-      <p:sp>
-        <p:nvSpPr>
-          <p:cNvPr id="40" name="TextBox 39">
-            <a:extLst>
-              <a:ext uri="{FF2B5EF4-FFF2-40B4-BE49-F238E27FC236}">
-                <a16:creationId xmlns:a16="http://schemas.microsoft.com/office/drawing/2014/main" id="{75524CF4-09D4-4713-9530-79A9C6E2EC65}"/>
-              </a:ext>
-            </a:extLst>
-          </p:cNvPr>
-          <p:cNvSpPr txBox="1"/>
-          <p:nvPr/>
-        </p:nvSpPr>
-        <p:spPr>
-          <a:xfrm>
-            <a:off x="363601" y="5029779"/>
-            <a:ext cx="4579455" cy="369332"/>
-          </a:xfrm>
-          <a:prstGeom prst="rect">
-            <a:avLst/>
-          </a:prstGeom>
-          <a:noFill/>
-        </p:spPr>
-        <p:txBody>
-          <a:bodyPr wrap="square" rtlCol="0">
-            <a:spAutoFit/>
-          </a:bodyPr>
-          <a:lstStyle/>
-          <a:p>
-            <a:r>
-              <a:rPr lang="en-US" dirty="0">
-                <a:solidFill>
-                  <a:srgbClr val="B6950A"/>
-                </a:solidFill>
-                <a:latin typeface="Segoe UI" panose="020B0502040204020203" pitchFamily="34" charset="0"/>
-                <a:cs typeface="Segoe UI" panose="020B0502040204020203" pitchFamily="34" charset="0"/>
-              </a:rPr>
-              <a:t>Data Pre-processing</a:t>
-            </a:r>
-            <a:endParaRPr lang="en-IN" dirty="0">
-              <a:solidFill>
-                <a:srgbClr val="B6950A"/>
-              </a:solidFill>
-              <a:latin typeface="Segoe UI" panose="020B0502040204020203" pitchFamily="34" charset="0"/>
-              <a:cs typeface="Segoe UI" panose="020B0502040204020203" pitchFamily="34" charset="0"/>
-            </a:endParaRPr>
-          </a:p>
-        </p:txBody>
-      </p:sp>
-      <p:sp>
-        <p:nvSpPr>
-          <p:cNvPr id="41" name="TextBox 40">
-            <a:extLst>
-              <a:ext uri="{FF2B5EF4-FFF2-40B4-BE49-F238E27FC236}">
-                <a16:creationId xmlns:a16="http://schemas.microsoft.com/office/drawing/2014/main" id="{E667F9D8-D2B5-4E8F-82A6-CB341A9A9BFF}"/>
-              </a:ext>
-            </a:extLst>
-          </p:cNvPr>
-          <p:cNvSpPr txBox="1"/>
-          <p:nvPr/>
-        </p:nvSpPr>
-        <p:spPr>
-          <a:xfrm>
-            <a:off x="363600" y="5658249"/>
-            <a:ext cx="4579455" cy="369332"/>
-          </a:xfrm>
-          <a:prstGeom prst="rect">
-            <a:avLst/>
-          </a:prstGeom>
-          <a:noFill/>
-        </p:spPr>
-        <p:txBody>
-          <a:bodyPr wrap="square" rtlCol="0">
-            <a:spAutoFit/>
-          </a:bodyPr>
-          <a:lstStyle/>
-          <a:p>
-            <a:r>
-              <a:rPr lang="en-US" dirty="0">
-                <a:solidFill>
-                  <a:srgbClr val="B6950A"/>
-                </a:solidFill>
-                <a:latin typeface="Segoe UI" panose="020B0502040204020203" pitchFamily="34" charset="0"/>
-                <a:cs typeface="Segoe UI" panose="020B0502040204020203" pitchFamily="34" charset="0"/>
-              </a:rPr>
-              <a:t>Building First Dashboard</a:t>
-            </a:r>
-            <a:endParaRPr lang="en-IN" dirty="0">
-              <a:solidFill>
-                <a:srgbClr val="B6950A"/>
-              </a:solidFill>
-              <a:latin typeface="Segoe UI" panose="020B0502040204020203" pitchFamily="34" charset="0"/>
-              <a:cs typeface="Segoe UI" panose="020B0502040204020203" pitchFamily="34" charset="0"/>
-            </a:endParaRPr>
-          </a:p>
-        </p:txBody>
-      </p:sp>
-      <p:sp>
-        <p:nvSpPr>
-          <p:cNvPr id="42" name="TextBox 41">
-            <a:extLst>
-              <a:ext uri="{FF2B5EF4-FFF2-40B4-BE49-F238E27FC236}">
-                <a16:creationId xmlns:a16="http://schemas.microsoft.com/office/drawing/2014/main" id="{043E1307-0BAC-44C8-9189-171C24E5412D}"/>
-              </a:ext>
-            </a:extLst>
-          </p:cNvPr>
-          <p:cNvSpPr txBox="1"/>
-          <p:nvPr/>
-        </p:nvSpPr>
-        <p:spPr>
-          <a:xfrm>
-            <a:off x="370228" y="6287728"/>
-            <a:ext cx="4579455" cy="369332"/>
-          </a:xfrm>
-          <a:prstGeom prst="rect">
-            <a:avLst/>
-          </a:prstGeom>
-          <a:noFill/>
-        </p:spPr>
-        <p:txBody>
-          <a:bodyPr wrap="square" rtlCol="0">
-            <a:spAutoFit/>
-          </a:bodyPr>
-          <a:lstStyle/>
-          <a:p>
-            <a:r>
-              <a:rPr lang="en-US" dirty="0">
-                <a:solidFill>
-                  <a:srgbClr val="B6950A"/>
-                </a:solidFill>
-                <a:latin typeface="Segoe UI" panose="020B0502040204020203" pitchFamily="34" charset="0"/>
-                <a:cs typeface="Segoe UI" panose="020B0502040204020203" pitchFamily="34" charset="0"/>
-              </a:rPr>
-              <a:t>Publishing Dashboard</a:t>
-            </a:r>
-            <a:endParaRPr lang="en-IN" dirty="0">
-              <a:solidFill>
-                <a:srgbClr val="B6950A"/>
-              </a:solidFill>
-              <a:latin typeface="Segoe UI" panose="020B0502040204020203" pitchFamily="34" charset="0"/>
-              <a:cs typeface="Segoe UI" panose="020B0502040204020203" pitchFamily="34" charset="0"/>
-            </a:endParaRPr>
-          </a:p>
-        </p:txBody>
-      </p:sp>
-      <p:sp>
-        <p:nvSpPr>
-          <p:cNvPr id="24" name="Arrow: Right 23">
-            <a:extLst>
-              <a:ext uri="{FF2B5EF4-FFF2-40B4-BE49-F238E27FC236}">
-                <a16:creationId xmlns:a16="http://schemas.microsoft.com/office/drawing/2014/main" id="{AA9B301C-5632-4BA4-AA5B-ED4F5420F459}"/>
-              </a:ext>
-            </a:extLst>
-          </p:cNvPr>
-          <p:cNvSpPr/>
-          <p:nvPr/>
-        </p:nvSpPr>
-        <p:spPr>
-          <a:xfrm>
-            <a:off x="1358350" y="3402636"/>
-            <a:ext cx="4359964" cy="1116392"/>
-          </a:xfrm>
-          <a:prstGeom prst="rightArrow">
-            <a:avLst/>
-          </a:prstGeom>
-          <a:solidFill>
-            <a:srgbClr val="F2C811"/>
-          </a:solidFill>
-          <a:ln>
-            <a:noFill/>
-          </a:ln>
-        </p:spPr>
-        <p:style>
-          <a:lnRef idx="2">
-            <a:schemeClr val="accent1">
-              <a:shade val="50000"/>
-            </a:schemeClr>
-          </a:lnRef>
-          <a:fillRef idx="1">
-            <a:schemeClr val="accent1"/>
-          </a:fillRef>
-          <a:effectRef idx="0">
-            <a:schemeClr val="accent1"/>
-          </a:effectRef>
-          <a:fontRef idx="minor">
-            <a:schemeClr val="lt1"/>
-          </a:fontRef>
-        </p:style>
-        <p:txBody>
-          <a:bodyPr rtlCol="0" anchor="ctr"/>
-          <a:lstStyle/>
-          <a:p>
-            <a:pPr algn="r"/>
-            <a:r>
-              <a:rPr lang="en-US" dirty="0">
-                <a:solidFill>
-                  <a:schemeClr val="tx1"/>
-                </a:solidFill>
-                <a:latin typeface="Segoe UI" panose="020B0502040204020203" pitchFamily="34" charset="0"/>
-                <a:cs typeface="Segoe UI" panose="020B0502040204020203" pitchFamily="34" charset="0"/>
-              </a:rPr>
-              <a:t>Wireframe Development</a:t>
-            </a:r>
-            <a:endParaRPr lang="en-IN" dirty="0">
-              <a:solidFill>
-                <a:schemeClr val="tx1"/>
-              </a:solidFill>
-              <a:latin typeface="Segoe UI" panose="020B0502040204020203" pitchFamily="34" charset="0"/>
-              <a:cs typeface="Segoe UI" panose="020B0502040204020203" pitchFamily="34" charset="0"/>
-            </a:endParaRPr>
-          </a:p>
-        </p:txBody>
-      </p:sp>
-    </p:spTree>
-    <p:extLst>
-      <p:ext uri="{BB962C8B-B14F-4D97-AF65-F5344CB8AC3E}">
-        <p14:creationId xmlns:p14="http://schemas.microsoft.com/office/powerpoint/2010/main" val="1226739513"/>
-      </p:ext>
-    </p:extLst>
-  </p:cSld>
-  <p:clrMapOvr>
-    <a:masterClrMapping/>
-  </p:clrMapOvr>
-</p:sld>
-</file>
-
 <file path=ppt/slides/slide7.xml><?xml version="1.0" encoding="utf-8"?>
 <p:sld xmlns:a="http://schemas.openxmlformats.org/drawingml/2006/main" xmlns:r="http://schemas.openxmlformats.org/officeDocument/2006/relationships" xmlns:p="http://schemas.openxmlformats.org/presentationml/2006/main">
   <p:cSld>
@@ -14752,10 +16825,10 @@
       </p:sp>
       <p:sp>
         <p:nvSpPr>
-          <p:cNvPr id="38" name="TextBox 37">
-            <a:extLst>
-              <a:ext uri="{FF2B5EF4-FFF2-40B4-BE49-F238E27FC236}">
-                <a16:creationId xmlns:a16="http://schemas.microsoft.com/office/drawing/2014/main" id="{DB17B961-C99F-40F8-ACA1-6D008AB81FB9}"/>
+          <p:cNvPr id="39" name="TextBox 38">
+            <a:extLst>
+              <a:ext uri="{FF2B5EF4-FFF2-40B4-BE49-F238E27FC236}">
+                <a16:creationId xmlns:a16="http://schemas.microsoft.com/office/drawing/2014/main" id="{7170E773-01B5-4B1B-B638-D98E510B4FD0}"/>
               </a:ext>
             </a:extLst>
           </p:cNvPr>
@@ -14764,7 +16837,7 @@
         </p:nvSpPr>
         <p:spPr>
           <a:xfrm>
-            <a:off x="363602" y="3772837"/>
+            <a:off x="363602" y="4401308"/>
             <a:ext cx="4579455" cy="369332"/>
           </a:xfrm>
           <a:prstGeom prst="rect">
@@ -14786,7 +16859,7 @@
                 <a:latin typeface="Segoe UI" panose="020B0502040204020203" pitchFamily="34" charset="0"/>
                 <a:cs typeface="Segoe UI" panose="020B0502040204020203" pitchFamily="34" charset="0"/>
               </a:rPr>
-              <a:t>Wireframe Development</a:t>
+              <a:t>Data Import &amp; Clean Up</a:t>
             </a:r>
             <a:endParaRPr lang="en-IN" dirty="0">
               <a:solidFill>
@@ -14947,7 +17020,7 @@
           <p:cNvPr id="24" name="Arrow: Right 23">
             <a:extLst>
               <a:ext uri="{FF2B5EF4-FFF2-40B4-BE49-F238E27FC236}">
-                <a16:creationId xmlns:a16="http://schemas.microsoft.com/office/drawing/2014/main" id="{6C7B0132-ACA6-4CC3-8267-AF9B1DC4FAEC}"/>
+                <a16:creationId xmlns:a16="http://schemas.microsoft.com/office/drawing/2014/main" id="{AA9B301C-5632-4BA4-AA5B-ED4F5420F459}"/>
               </a:ext>
             </a:extLst>
           </p:cNvPr>
@@ -14956,7 +17029,7 @@
         </p:nvSpPr>
         <p:spPr>
           <a:xfrm>
-            <a:off x="1358350" y="4025489"/>
+            <a:off x="1358350" y="3402636"/>
             <a:ext cx="4359964" cy="1116392"/>
           </a:xfrm>
           <a:prstGeom prst="rightArrow">
@@ -14998,7 +17071,7 @@
                 <a:latin typeface="Segoe UI" panose="020B0502040204020203" pitchFamily="34" charset="0"/>
                 <a:cs typeface="Segoe UI" panose="020B0502040204020203" pitchFamily="34" charset="0"/>
               </a:rPr>
-              <a:t>Data Import &amp; Clean Up</a:t>
+              <a:t>Wireframe Development</a:t>
             </a:r>
             <a:endParaRPr lang="en-IN" dirty="0">
               <a:solidFill>
@@ -15013,7 +17086,7 @@
     </p:spTree>
     <p:extLst>
       <p:ext uri="{BB962C8B-B14F-4D97-AF65-F5344CB8AC3E}">
-        <p14:creationId xmlns:p14="http://schemas.microsoft.com/office/powerpoint/2010/main" val="916795347"/>
+        <p14:creationId xmlns:p14="http://schemas.microsoft.com/office/powerpoint/2010/main" val="1226739513"/>
       </p:ext>
     </p:extLst>
   </p:cSld>
@@ -15800,10 +17873,10 @@
       </p:sp>
       <p:sp>
         <p:nvSpPr>
-          <p:cNvPr id="39" name="TextBox 38">
-            <a:extLst>
-              <a:ext uri="{FF2B5EF4-FFF2-40B4-BE49-F238E27FC236}">
-                <a16:creationId xmlns:a16="http://schemas.microsoft.com/office/drawing/2014/main" id="{7170E773-01B5-4B1B-B638-D98E510B4FD0}"/>
+          <p:cNvPr id="40" name="TextBox 39">
+            <a:extLst>
+              <a:ext uri="{FF2B5EF4-FFF2-40B4-BE49-F238E27FC236}">
+                <a16:creationId xmlns:a16="http://schemas.microsoft.com/office/drawing/2014/main" id="{75524CF4-09D4-4713-9530-79A9C6E2EC65}"/>
               </a:ext>
             </a:extLst>
           </p:cNvPr>
@@ -15812,7 +17885,7 @@
         </p:nvSpPr>
         <p:spPr>
           <a:xfrm>
-            <a:off x="363602" y="4401308"/>
+            <a:off x="363601" y="5029779"/>
             <a:ext cx="4579455" cy="369332"/>
           </a:xfrm>
           <a:prstGeom prst="rect">
@@ -15834,7 +17907,7 @@
                 <a:latin typeface="Segoe UI" panose="020B0502040204020203" pitchFamily="34" charset="0"/>
                 <a:cs typeface="Segoe UI" panose="020B0502040204020203" pitchFamily="34" charset="0"/>
               </a:rPr>
-              <a:t>Data Import &amp; Clean Up</a:t>
+              <a:t>Data Pre-processing</a:t>
             </a:r>
             <a:endParaRPr lang="en-IN" dirty="0">
               <a:solidFill>
@@ -15947,7 +18020,7 @@
           <p:cNvPr id="24" name="Arrow: Right 23">
             <a:extLst>
               <a:ext uri="{FF2B5EF4-FFF2-40B4-BE49-F238E27FC236}">
-                <a16:creationId xmlns:a16="http://schemas.microsoft.com/office/drawing/2014/main" id="{CC48FE2B-DA3F-4ED2-8031-DE286B622BFC}"/>
+                <a16:creationId xmlns:a16="http://schemas.microsoft.com/office/drawing/2014/main" id="{6C7B0132-ACA6-4CC3-8267-AF9B1DC4FAEC}"/>
               </a:ext>
             </a:extLst>
           </p:cNvPr>
@@ -15956,7 +18029,7 @@
         </p:nvSpPr>
         <p:spPr>
           <a:xfrm>
-            <a:off x="1358350" y="4661592"/>
+            <a:off x="1358350" y="4025489"/>
             <a:ext cx="4359964" cy="1116392"/>
           </a:xfrm>
           <a:prstGeom prst="rightArrow">
@@ -15998,7 +18071,7 @@
                 <a:latin typeface="Segoe UI" panose="020B0502040204020203" pitchFamily="34" charset="0"/>
                 <a:cs typeface="Segoe UI" panose="020B0502040204020203" pitchFamily="34" charset="0"/>
               </a:rPr>
-              <a:t>Data Pre-processing</a:t>
+              <a:t>Data Import &amp; Clean Up</a:t>
             </a:r>
             <a:endParaRPr lang="en-IN" dirty="0">
               <a:solidFill>
@@ -16013,7 +18086,7 @@
     </p:spTree>
     <p:extLst>
       <p:ext uri="{BB962C8B-B14F-4D97-AF65-F5344CB8AC3E}">
-        <p14:creationId xmlns:p14="http://schemas.microsoft.com/office/powerpoint/2010/main" val="1419252769"/>
+        <p14:creationId xmlns:p14="http://schemas.microsoft.com/office/powerpoint/2010/main" val="916795347"/>
       </p:ext>
     </p:extLst>
   </p:cSld>
@@ -16848,10 +18921,10 @@
       </p:sp>
       <p:sp>
         <p:nvSpPr>
-          <p:cNvPr id="40" name="TextBox 39">
-            <a:extLst>
-              <a:ext uri="{FF2B5EF4-FFF2-40B4-BE49-F238E27FC236}">
-                <a16:creationId xmlns:a16="http://schemas.microsoft.com/office/drawing/2014/main" id="{75524CF4-09D4-4713-9530-79A9C6E2EC65}"/>
+          <p:cNvPr id="41" name="TextBox 40">
+            <a:extLst>
+              <a:ext uri="{FF2B5EF4-FFF2-40B4-BE49-F238E27FC236}">
+                <a16:creationId xmlns:a16="http://schemas.microsoft.com/office/drawing/2014/main" id="{E667F9D8-D2B5-4E8F-82A6-CB341A9A9BFF}"/>
               </a:ext>
             </a:extLst>
           </p:cNvPr>
@@ -16860,7 +18933,7 @@
         </p:nvSpPr>
         <p:spPr>
           <a:xfrm>
-            <a:off x="363601" y="5029779"/>
+            <a:off x="363600" y="5658249"/>
             <a:ext cx="4579455" cy="369332"/>
           </a:xfrm>
           <a:prstGeom prst="rect">
@@ -16882,7 +18955,7 @@
                 <a:latin typeface="Segoe UI" panose="020B0502040204020203" pitchFamily="34" charset="0"/>
                 <a:cs typeface="Segoe UI" panose="020B0502040204020203" pitchFamily="34" charset="0"/>
               </a:rPr>
-              <a:t>Data Pre-processing</a:t>
+              <a:t>Building First Dashboard</a:t>
             </a:r>
             <a:endParaRPr lang="en-IN" dirty="0">
               <a:solidFill>
@@ -16947,7 +19020,7 @@
           <p:cNvPr id="24" name="Arrow: Right 23">
             <a:extLst>
               <a:ext uri="{FF2B5EF4-FFF2-40B4-BE49-F238E27FC236}">
-                <a16:creationId xmlns:a16="http://schemas.microsoft.com/office/drawing/2014/main" id="{B7ECA9F2-3EB9-472C-A156-D8791626C042}"/>
+                <a16:creationId xmlns:a16="http://schemas.microsoft.com/office/drawing/2014/main" id="{CC48FE2B-DA3F-4ED2-8031-DE286B622BFC}"/>
               </a:ext>
             </a:extLst>
           </p:cNvPr>
@@ -16956,7 +19029,7 @@
         </p:nvSpPr>
         <p:spPr>
           <a:xfrm>
-            <a:off x="1358350" y="5284446"/>
+            <a:off x="1358350" y="4661592"/>
             <a:ext cx="4359964" cy="1116392"/>
           </a:xfrm>
           <a:prstGeom prst="rightArrow">
@@ -16998,7 +19071,7 @@
                 <a:latin typeface="Segoe UI" panose="020B0502040204020203" pitchFamily="34" charset="0"/>
                 <a:cs typeface="Segoe UI" panose="020B0502040204020203" pitchFamily="34" charset="0"/>
               </a:rPr>
-              <a:t>Building First Dashboard</a:t>
+              <a:t>Data Pre-processing</a:t>
             </a:r>
             <a:endParaRPr lang="en-IN" dirty="0">
               <a:solidFill>
@@ -17013,7 +19086,7 @@
     </p:spTree>
     <p:extLst>
       <p:ext uri="{BB962C8B-B14F-4D97-AF65-F5344CB8AC3E}">
-        <p14:creationId xmlns:p14="http://schemas.microsoft.com/office/powerpoint/2010/main" val="230729821"/>
+        <p14:creationId xmlns:p14="http://schemas.microsoft.com/office/powerpoint/2010/main" val="1419252769"/>
       </p:ext>
     </p:extLst>
   </p:cSld>
